--- a/Master thesis/Meetings/26-02 Integrating gpaw and model, and comparing histograms.pptx
+++ b/Master thesis/Meetings/26-02 Integrating gpaw and model, and comparing histograms.pptx
@@ -6,13 +6,18 @@
   </p:sldMasterIdLst>
   <p:sldIdLst>
     <p:sldId id="256" r:id="rId2"/>
-    <p:sldId id="257" r:id="rId3"/>
-    <p:sldId id="260" r:id="rId4"/>
-    <p:sldId id="261" r:id="rId5"/>
-    <p:sldId id="259" r:id="rId6"/>
-    <p:sldId id="263" r:id="rId7"/>
-    <p:sldId id="265" r:id="rId8"/>
-    <p:sldId id="267" r:id="rId9"/>
+    <p:sldId id="260" r:id="rId3"/>
+    <p:sldId id="261" r:id="rId4"/>
+    <p:sldId id="269" r:id="rId5"/>
+    <p:sldId id="268" r:id="rId6"/>
+    <p:sldId id="270" r:id="rId7"/>
+    <p:sldId id="271" r:id="rId8"/>
+    <p:sldId id="272" r:id="rId9"/>
+    <p:sldId id="259" r:id="rId10"/>
+    <p:sldId id="263" r:id="rId11"/>
+    <p:sldId id="265" r:id="rId12"/>
+    <p:sldId id="267" r:id="rId13"/>
+    <p:sldId id="273" r:id="rId14"/>
   </p:sldIdLst>
   <p:sldSz cx="12192000" cy="6858000"/>
   <p:notesSz cx="6858000" cy="9144000"/>
@@ -111,6 +116,11 @@
       </a:defRPr>
     </a:lvl9pPr>
   </p:defaultTextStyle>
+  <p:extLst>
+    <p:ext uri="{EFAFB233-063F-42B5-8137-9DF3F51BA10A}">
+      <p15:sldGuideLst xmlns:p15="http://schemas.microsoft.com/office/powerpoint/2012/main"/>
+    </p:ext>
+  </p:extLst>
 </p:presentation>
 </file>
 
@@ -543,7 +553,7 @@
           <a:p>
             <a:fld id="{EB96CC9F-F931-4751-9BDE-A749136C9C15}" type="datetimeFigureOut">
               <a:rPr lang="da-DK" smtClean="0"/>
-              <a:t>23-02-2024</a:t>
+              <a:t>25-02-2024</a:t>
             </a:fld>
             <a:endParaRPr lang="da-DK"/>
           </a:p>
@@ -597,7 +607,7 @@
           <a:p>
             <a:fld id="{7BE005B4-57FF-4D1F-9A11-DC5A69DDB4CD}" type="slidenum">
               <a:rPr lang="da-DK" smtClean="0"/>
-              <a:t>‹nr.›</a:t>
+              <a:t>‹#›</a:t>
             </a:fld>
             <a:endParaRPr lang="da-DK"/>
           </a:p>
@@ -741,7 +751,7 @@
           <a:p>
             <a:fld id="{EB96CC9F-F931-4751-9BDE-A749136C9C15}" type="datetimeFigureOut">
               <a:rPr lang="da-DK" smtClean="0"/>
-              <a:t>23-02-2024</a:t>
+              <a:t>25-02-2024</a:t>
             </a:fld>
             <a:endParaRPr lang="da-DK"/>
           </a:p>
@@ -795,7 +805,7 @@
           <a:p>
             <a:fld id="{7BE005B4-57FF-4D1F-9A11-DC5A69DDB4CD}" type="slidenum">
               <a:rPr lang="da-DK" smtClean="0"/>
-              <a:t>‹nr.›</a:t>
+              <a:t>‹#›</a:t>
             </a:fld>
             <a:endParaRPr lang="da-DK"/>
           </a:p>
@@ -949,7 +959,7 @@
           <a:p>
             <a:fld id="{EB96CC9F-F931-4751-9BDE-A749136C9C15}" type="datetimeFigureOut">
               <a:rPr lang="da-DK" smtClean="0"/>
-              <a:t>23-02-2024</a:t>
+              <a:t>25-02-2024</a:t>
             </a:fld>
             <a:endParaRPr lang="da-DK"/>
           </a:p>
@@ -1003,7 +1013,7 @@
           <a:p>
             <a:fld id="{7BE005B4-57FF-4D1F-9A11-DC5A69DDB4CD}" type="slidenum">
               <a:rPr lang="da-DK" smtClean="0"/>
-              <a:t>‹nr.›</a:t>
+              <a:t>‹#›</a:t>
             </a:fld>
             <a:endParaRPr lang="da-DK"/>
           </a:p>
@@ -1147,7 +1157,7 @@
           <a:p>
             <a:fld id="{EB96CC9F-F931-4751-9BDE-A749136C9C15}" type="datetimeFigureOut">
               <a:rPr lang="da-DK" smtClean="0"/>
-              <a:t>23-02-2024</a:t>
+              <a:t>25-02-2024</a:t>
             </a:fld>
             <a:endParaRPr lang="da-DK"/>
           </a:p>
@@ -1201,7 +1211,7 @@
           <a:p>
             <a:fld id="{7BE005B4-57FF-4D1F-9A11-DC5A69DDB4CD}" type="slidenum">
               <a:rPr lang="da-DK" smtClean="0"/>
-              <a:t>‹nr.›</a:t>
+              <a:t>‹#›</a:t>
             </a:fld>
             <a:endParaRPr lang="da-DK"/>
           </a:p>
@@ -1422,7 +1432,7 @@
           <a:p>
             <a:fld id="{EB96CC9F-F931-4751-9BDE-A749136C9C15}" type="datetimeFigureOut">
               <a:rPr lang="da-DK" smtClean="0"/>
-              <a:t>23-02-2024</a:t>
+              <a:t>25-02-2024</a:t>
             </a:fld>
             <a:endParaRPr lang="da-DK"/>
           </a:p>
@@ -1476,7 +1486,7 @@
           <a:p>
             <a:fld id="{7BE005B4-57FF-4D1F-9A11-DC5A69DDB4CD}" type="slidenum">
               <a:rPr lang="da-DK" smtClean="0"/>
-              <a:t>‹nr.›</a:t>
+              <a:t>‹#›</a:t>
             </a:fld>
             <a:endParaRPr lang="da-DK"/>
           </a:p>
@@ -1687,7 +1697,7 @@
           <a:p>
             <a:fld id="{EB96CC9F-F931-4751-9BDE-A749136C9C15}" type="datetimeFigureOut">
               <a:rPr lang="da-DK" smtClean="0"/>
-              <a:t>23-02-2024</a:t>
+              <a:t>25-02-2024</a:t>
             </a:fld>
             <a:endParaRPr lang="da-DK"/>
           </a:p>
@@ -1741,7 +1751,7 @@
           <a:p>
             <a:fld id="{7BE005B4-57FF-4D1F-9A11-DC5A69DDB4CD}" type="slidenum">
               <a:rPr lang="da-DK" smtClean="0"/>
-              <a:t>‹nr.›</a:t>
+              <a:t>‹#›</a:t>
             </a:fld>
             <a:endParaRPr lang="da-DK"/>
           </a:p>
@@ -2099,7 +2109,7 @@
           <a:p>
             <a:fld id="{EB96CC9F-F931-4751-9BDE-A749136C9C15}" type="datetimeFigureOut">
               <a:rPr lang="da-DK" smtClean="0"/>
-              <a:t>23-02-2024</a:t>
+              <a:t>25-02-2024</a:t>
             </a:fld>
             <a:endParaRPr lang="da-DK"/>
           </a:p>
@@ -2153,7 +2163,7 @@
           <a:p>
             <a:fld id="{7BE005B4-57FF-4D1F-9A11-DC5A69DDB4CD}" type="slidenum">
               <a:rPr lang="da-DK" smtClean="0"/>
-              <a:t>‹nr.›</a:t>
+              <a:t>‹#›</a:t>
             </a:fld>
             <a:endParaRPr lang="da-DK"/>
           </a:p>
@@ -2240,7 +2250,7 @@
           <a:p>
             <a:fld id="{EB96CC9F-F931-4751-9BDE-A749136C9C15}" type="datetimeFigureOut">
               <a:rPr lang="da-DK" smtClean="0"/>
-              <a:t>23-02-2024</a:t>
+              <a:t>25-02-2024</a:t>
             </a:fld>
             <a:endParaRPr lang="da-DK"/>
           </a:p>
@@ -2294,7 +2304,7 @@
           <a:p>
             <a:fld id="{7BE005B4-57FF-4D1F-9A11-DC5A69DDB4CD}" type="slidenum">
               <a:rPr lang="da-DK" smtClean="0"/>
-              <a:t>‹nr.›</a:t>
+              <a:t>‹#›</a:t>
             </a:fld>
             <a:endParaRPr lang="da-DK"/>
           </a:p>
@@ -2353,7 +2363,7 @@
           <a:p>
             <a:fld id="{EB96CC9F-F931-4751-9BDE-A749136C9C15}" type="datetimeFigureOut">
               <a:rPr lang="da-DK" smtClean="0"/>
-              <a:t>23-02-2024</a:t>
+              <a:t>25-02-2024</a:t>
             </a:fld>
             <a:endParaRPr lang="da-DK"/>
           </a:p>
@@ -2407,7 +2417,7 @@
           <a:p>
             <a:fld id="{7BE005B4-57FF-4D1F-9A11-DC5A69DDB4CD}" type="slidenum">
               <a:rPr lang="da-DK" smtClean="0"/>
-              <a:t>‹nr.›</a:t>
+              <a:t>‹#›</a:t>
             </a:fld>
             <a:endParaRPr lang="da-DK"/>
           </a:p>
@@ -2664,7 +2674,7 @@
           <a:p>
             <a:fld id="{EB96CC9F-F931-4751-9BDE-A749136C9C15}" type="datetimeFigureOut">
               <a:rPr lang="da-DK" smtClean="0"/>
-              <a:t>23-02-2024</a:t>
+              <a:t>25-02-2024</a:t>
             </a:fld>
             <a:endParaRPr lang="da-DK"/>
           </a:p>
@@ -2718,7 +2728,7 @@
           <a:p>
             <a:fld id="{7BE005B4-57FF-4D1F-9A11-DC5A69DDB4CD}" type="slidenum">
               <a:rPr lang="da-DK" smtClean="0"/>
-              <a:t>‹nr.›</a:t>
+              <a:t>‹#›</a:t>
             </a:fld>
             <a:endParaRPr lang="da-DK"/>
           </a:p>
@@ -2952,7 +2962,7 @@
           <a:p>
             <a:fld id="{EB96CC9F-F931-4751-9BDE-A749136C9C15}" type="datetimeFigureOut">
               <a:rPr lang="da-DK" smtClean="0"/>
-              <a:t>23-02-2024</a:t>
+              <a:t>25-02-2024</a:t>
             </a:fld>
             <a:endParaRPr lang="da-DK"/>
           </a:p>
@@ -3006,7 +3016,7 @@
           <a:p>
             <a:fld id="{7BE005B4-57FF-4D1F-9A11-DC5A69DDB4CD}" type="slidenum">
               <a:rPr lang="da-DK" smtClean="0"/>
-              <a:t>‹nr.›</a:t>
+              <a:t>‹#›</a:t>
             </a:fld>
             <a:endParaRPr lang="da-DK"/>
           </a:p>
@@ -3193,7 +3203,7 @@
           <a:p>
             <a:fld id="{EB96CC9F-F931-4751-9BDE-A749136C9C15}" type="datetimeFigureOut">
               <a:rPr lang="da-DK" smtClean="0"/>
-              <a:t>23-02-2024</a:t>
+              <a:t>25-02-2024</a:t>
             </a:fld>
             <a:endParaRPr lang="da-DK"/>
           </a:p>
@@ -3283,7 +3293,7 @@
           <a:p>
             <a:fld id="{7BE005B4-57FF-4D1F-9A11-DC5A69DDB4CD}" type="slidenum">
               <a:rPr lang="da-DK" smtClean="0"/>
-              <a:t>‹nr.›</a:t>
+              <a:t>‹#›</a:t>
             </a:fld>
             <a:endParaRPr lang="da-DK"/>
           </a:p>
@@ -3703,724 +3713,7 @@
 </p:sld>
 </file>
 
-<file path=ppt/slides/slide2.xml><?xml version="1.0" encoding="utf-8"?>
-<p:sld xmlns:a="http://schemas.openxmlformats.org/drawingml/2006/main" xmlns:r="http://schemas.openxmlformats.org/officeDocument/2006/relationships" xmlns:p="http://schemas.openxmlformats.org/presentationml/2006/main">
-  <p:cSld>
-    <p:spTree>
-      <p:nvGrpSpPr>
-        <p:cNvPr id="1" name=""/>
-        <p:cNvGrpSpPr/>
-        <p:nvPr/>
-      </p:nvGrpSpPr>
-      <p:grpSpPr>
-        <a:xfrm>
-          <a:off x="0" y="0"/>
-          <a:ext cx="0" cy="0"/>
-          <a:chOff x="0" y="0"/>
-          <a:chExt cx="0" cy="0"/>
-        </a:xfrm>
-      </p:grpSpPr>
-      <p:sp>
-        <p:nvSpPr>
-          <p:cNvPr id="2" name="Titel 1">
-            <a:extLst>
-              <a:ext uri="{FF2B5EF4-FFF2-40B4-BE49-F238E27FC236}">
-                <a16:creationId xmlns:a16="http://schemas.microsoft.com/office/drawing/2014/main" id="{4E310814-A2C5-3CDA-DDE8-0A07CED872EF}"/>
-              </a:ext>
-            </a:extLst>
-          </p:cNvPr>
-          <p:cNvSpPr>
-            <a:spLocks noGrp="1"/>
-          </p:cNvSpPr>
-          <p:nvPr>
-            <p:ph type="title"/>
-          </p:nvPr>
-        </p:nvSpPr>
-        <p:spPr/>
-        <p:txBody>
-          <a:bodyPr/>
-          <a:lstStyle/>
-          <a:p>
-            <a:r>
-              <a:rPr lang="da-DK" dirty="0" err="1"/>
-              <a:t>Calculating</a:t>
-            </a:r>
-            <a:r>
-              <a:rPr lang="da-DK" dirty="0"/>
-              <a:t> </a:t>
-            </a:r>
-            <a:r>
-              <a:rPr lang="da-DK" dirty="0" err="1"/>
-              <a:t>momenta</a:t>
-            </a:r>
-            <a:r>
-              <a:rPr lang="da-DK" dirty="0"/>
-              <a:t> and positions with </a:t>
-            </a:r>
-            <a:r>
-              <a:rPr lang="da-DK" dirty="0" err="1"/>
-              <a:t>correct</a:t>
-            </a:r>
-            <a:r>
-              <a:rPr lang="da-DK" dirty="0"/>
-              <a:t> forces</a:t>
-            </a:r>
-          </a:p>
-        </p:txBody>
-      </p:sp>
-      <p:pic>
-        <p:nvPicPr>
-          <p:cNvPr id="5" name="Billede 4">
-            <a:extLst>
-              <a:ext uri="{FF2B5EF4-FFF2-40B4-BE49-F238E27FC236}">
-                <a16:creationId xmlns:a16="http://schemas.microsoft.com/office/drawing/2014/main" id="{5594153F-F736-AC7C-DCEC-043CA59BA6E2}"/>
-              </a:ext>
-            </a:extLst>
-          </p:cNvPr>
-          <p:cNvPicPr>
-            <a:picLocks noChangeAspect="1"/>
-          </p:cNvPicPr>
-          <p:nvPr/>
-        </p:nvPicPr>
-        <p:blipFill>
-          <a:blip r:embed="rId2"/>
-          <a:stretch>
-            <a:fillRect/>
-          </a:stretch>
-        </p:blipFill>
-        <p:spPr>
-          <a:xfrm>
-            <a:off x="554348" y="2958161"/>
-            <a:ext cx="5163271" cy="2086266"/>
-          </a:xfrm>
-          <a:prstGeom prst="rect">
-            <a:avLst/>
-          </a:prstGeom>
-        </p:spPr>
-      </p:pic>
-      <p:sp>
-        <p:nvSpPr>
-          <p:cNvPr id="10" name="Tekstfelt 9">
-            <a:extLst>
-              <a:ext uri="{FF2B5EF4-FFF2-40B4-BE49-F238E27FC236}">
-                <a16:creationId xmlns:a16="http://schemas.microsoft.com/office/drawing/2014/main" id="{EC522A23-95B6-6CA2-4FA5-756E6B431481}"/>
-              </a:ext>
-            </a:extLst>
-          </p:cNvPr>
-          <p:cNvSpPr txBox="1"/>
-          <p:nvPr/>
-        </p:nvSpPr>
-        <p:spPr>
-          <a:xfrm>
-            <a:off x="1033413" y="2130458"/>
-            <a:ext cx="4205140" cy="584775"/>
-          </a:xfrm>
-          <a:prstGeom prst="rect">
-            <a:avLst/>
-          </a:prstGeom>
-          <a:noFill/>
-        </p:spPr>
-        <p:txBody>
-          <a:bodyPr wrap="square" rtlCol="0">
-            <a:spAutoFit/>
-          </a:bodyPr>
-          <a:lstStyle/>
-          <a:p>
-            <a:pPr algn="ctr"/>
-            <a:r>
-              <a:rPr lang="da-DK" sz="3200" dirty="0"/>
-              <a:t>Simulation</a:t>
-            </a:r>
-          </a:p>
-        </p:txBody>
-      </p:sp>
-      <p:sp>
-        <p:nvSpPr>
-          <p:cNvPr id="11" name="Tekstfelt 10">
-            <a:extLst>
-              <a:ext uri="{FF2B5EF4-FFF2-40B4-BE49-F238E27FC236}">
-                <a16:creationId xmlns:a16="http://schemas.microsoft.com/office/drawing/2014/main" id="{BD5E71FD-08DB-3ECE-9DC6-80BB32FD0A98}"/>
-              </a:ext>
-            </a:extLst>
-          </p:cNvPr>
-          <p:cNvSpPr txBox="1"/>
-          <p:nvPr/>
-        </p:nvSpPr>
-        <p:spPr>
-          <a:xfrm>
-            <a:off x="6882985" y="2130458"/>
-            <a:ext cx="3949831" cy="584775"/>
-          </a:xfrm>
-          <a:prstGeom prst="rect">
-            <a:avLst/>
-          </a:prstGeom>
-          <a:noFill/>
-        </p:spPr>
-        <p:txBody>
-          <a:bodyPr wrap="square" rtlCol="0">
-            <a:spAutoFit/>
-          </a:bodyPr>
-          <a:lstStyle/>
-          <a:p>
-            <a:pPr algn="ctr"/>
-            <a:r>
-              <a:rPr lang="da-DK" sz="3200" dirty="0" err="1"/>
-              <a:t>Calculation</a:t>
-            </a:r>
-            <a:endParaRPr lang="da-DK" sz="3200" dirty="0"/>
-          </a:p>
-        </p:txBody>
-      </p:sp>
-    </p:spTree>
-    <p:extLst>
-      <p:ext uri="{BB962C8B-B14F-4D97-AF65-F5344CB8AC3E}">
-        <p14:creationId xmlns:p14="http://schemas.microsoft.com/office/powerpoint/2010/main" val="251890776"/>
-      </p:ext>
-    </p:extLst>
-  </p:cSld>
-  <p:clrMapOvr>
-    <a:masterClrMapping/>
-  </p:clrMapOvr>
-</p:sld>
-</file>
-
-<file path=ppt/slides/slide3.xml><?xml version="1.0" encoding="utf-8"?>
-<p:sld xmlns:a="http://schemas.openxmlformats.org/drawingml/2006/main" xmlns:r="http://schemas.openxmlformats.org/officeDocument/2006/relationships" xmlns:p="http://schemas.openxmlformats.org/presentationml/2006/main">
-  <p:cSld>
-    <p:spTree>
-      <p:nvGrpSpPr>
-        <p:cNvPr id="1" name=""/>
-        <p:cNvGrpSpPr/>
-        <p:nvPr/>
-      </p:nvGrpSpPr>
-      <p:grpSpPr>
-        <a:xfrm>
-          <a:off x="0" y="0"/>
-          <a:ext cx="0" cy="0"/>
-          <a:chOff x="0" y="0"/>
-          <a:chExt cx="0" cy="0"/>
-        </a:xfrm>
-      </p:grpSpPr>
-      <p:sp>
-        <p:nvSpPr>
-          <p:cNvPr id="2" name="Titel 1">
-            <a:extLst>
-              <a:ext uri="{FF2B5EF4-FFF2-40B4-BE49-F238E27FC236}">
-                <a16:creationId xmlns:a16="http://schemas.microsoft.com/office/drawing/2014/main" id="{4E310814-A2C5-3CDA-DDE8-0A07CED872EF}"/>
-              </a:ext>
-            </a:extLst>
-          </p:cNvPr>
-          <p:cNvSpPr>
-            <a:spLocks noGrp="1"/>
-          </p:cNvSpPr>
-          <p:nvPr>
-            <p:ph type="title"/>
-          </p:nvPr>
-        </p:nvSpPr>
-        <p:spPr/>
-        <p:txBody>
-          <a:bodyPr/>
-          <a:lstStyle/>
-          <a:p>
-            <a:r>
-              <a:rPr lang="da-DK" dirty="0" err="1"/>
-              <a:t>Calculating</a:t>
-            </a:r>
-            <a:r>
-              <a:rPr lang="da-DK" dirty="0"/>
-              <a:t> </a:t>
-            </a:r>
-            <a:r>
-              <a:rPr lang="da-DK" dirty="0" err="1"/>
-              <a:t>momenta</a:t>
-            </a:r>
-            <a:r>
-              <a:rPr lang="da-DK" dirty="0"/>
-              <a:t> and positions with </a:t>
-            </a:r>
-            <a:r>
-              <a:rPr lang="da-DK" dirty="0" err="1"/>
-              <a:t>predicted</a:t>
-            </a:r>
-            <a:r>
-              <a:rPr lang="da-DK" dirty="0"/>
-              <a:t> forces (1st </a:t>
-            </a:r>
-            <a:r>
-              <a:rPr lang="da-DK" dirty="0" err="1"/>
-              <a:t>prediction</a:t>
-            </a:r>
-            <a:r>
-              <a:rPr lang="da-DK" dirty="0"/>
-              <a:t>)</a:t>
-            </a:r>
-          </a:p>
-        </p:txBody>
-      </p:sp>
-      <p:pic>
-        <p:nvPicPr>
-          <p:cNvPr id="5" name="Billede 4">
-            <a:extLst>
-              <a:ext uri="{FF2B5EF4-FFF2-40B4-BE49-F238E27FC236}">
-                <a16:creationId xmlns:a16="http://schemas.microsoft.com/office/drawing/2014/main" id="{5594153F-F736-AC7C-DCEC-043CA59BA6E2}"/>
-              </a:ext>
-            </a:extLst>
-          </p:cNvPr>
-          <p:cNvPicPr>
-            <a:picLocks noChangeAspect="1"/>
-          </p:cNvPicPr>
-          <p:nvPr/>
-        </p:nvPicPr>
-        <p:blipFill>
-          <a:blip r:embed="rId2"/>
-          <a:stretch>
-            <a:fillRect/>
-          </a:stretch>
-        </p:blipFill>
-        <p:spPr>
-          <a:xfrm>
-            <a:off x="554348" y="2958161"/>
-            <a:ext cx="5163271" cy="2086266"/>
-          </a:xfrm>
-          <a:prstGeom prst="rect">
-            <a:avLst/>
-          </a:prstGeom>
-        </p:spPr>
-      </p:pic>
-      <p:pic>
-        <p:nvPicPr>
-          <p:cNvPr id="9" name="Billede 8">
-            <a:extLst>
-              <a:ext uri="{FF2B5EF4-FFF2-40B4-BE49-F238E27FC236}">
-                <a16:creationId xmlns:a16="http://schemas.microsoft.com/office/drawing/2014/main" id="{139756A0-5B43-C2B9-A47A-9F52178AD89B}"/>
-              </a:ext>
-            </a:extLst>
-          </p:cNvPr>
-          <p:cNvPicPr>
-            <a:picLocks noChangeAspect="1"/>
-          </p:cNvPicPr>
-          <p:nvPr/>
-        </p:nvPicPr>
-        <p:blipFill>
-          <a:blip r:embed="rId3"/>
-          <a:stretch>
-            <a:fillRect/>
-          </a:stretch>
-        </p:blipFill>
-        <p:spPr>
-          <a:xfrm>
-            <a:off x="6362003" y="2958161"/>
-            <a:ext cx="4991797" cy="2076740"/>
-          </a:xfrm>
-          <a:prstGeom prst="rect">
-            <a:avLst/>
-          </a:prstGeom>
-        </p:spPr>
-      </p:pic>
-      <p:sp>
-        <p:nvSpPr>
-          <p:cNvPr id="10" name="Tekstfelt 9">
-            <a:extLst>
-              <a:ext uri="{FF2B5EF4-FFF2-40B4-BE49-F238E27FC236}">
-                <a16:creationId xmlns:a16="http://schemas.microsoft.com/office/drawing/2014/main" id="{EC522A23-95B6-6CA2-4FA5-756E6B431481}"/>
-              </a:ext>
-            </a:extLst>
-          </p:cNvPr>
-          <p:cNvSpPr txBox="1"/>
-          <p:nvPr/>
-        </p:nvSpPr>
-        <p:spPr>
-          <a:xfrm>
-            <a:off x="1033413" y="2130458"/>
-            <a:ext cx="4205140" cy="584775"/>
-          </a:xfrm>
-          <a:prstGeom prst="rect">
-            <a:avLst/>
-          </a:prstGeom>
-          <a:noFill/>
-        </p:spPr>
-        <p:txBody>
-          <a:bodyPr wrap="square" rtlCol="0">
-            <a:spAutoFit/>
-          </a:bodyPr>
-          <a:lstStyle/>
-          <a:p>
-            <a:pPr algn="ctr"/>
-            <a:r>
-              <a:rPr lang="da-DK" sz="3200" dirty="0"/>
-              <a:t>Simulation</a:t>
-            </a:r>
-          </a:p>
-        </p:txBody>
-      </p:sp>
-      <p:sp>
-        <p:nvSpPr>
-          <p:cNvPr id="11" name="Tekstfelt 10">
-            <a:extLst>
-              <a:ext uri="{FF2B5EF4-FFF2-40B4-BE49-F238E27FC236}">
-                <a16:creationId xmlns:a16="http://schemas.microsoft.com/office/drawing/2014/main" id="{BD5E71FD-08DB-3ECE-9DC6-80BB32FD0A98}"/>
-              </a:ext>
-            </a:extLst>
-          </p:cNvPr>
-          <p:cNvSpPr txBox="1"/>
-          <p:nvPr/>
-        </p:nvSpPr>
-        <p:spPr>
-          <a:xfrm>
-            <a:off x="6882985" y="2130458"/>
-            <a:ext cx="3949831" cy="584775"/>
-          </a:xfrm>
-          <a:prstGeom prst="rect">
-            <a:avLst/>
-          </a:prstGeom>
-          <a:noFill/>
-        </p:spPr>
-        <p:txBody>
-          <a:bodyPr wrap="square" rtlCol="0">
-            <a:spAutoFit/>
-          </a:bodyPr>
-          <a:lstStyle/>
-          <a:p>
-            <a:pPr algn="ctr"/>
-            <a:r>
-              <a:rPr lang="da-DK" sz="3200" dirty="0" err="1"/>
-              <a:t>Calculation</a:t>
-            </a:r>
-            <a:endParaRPr lang="da-DK" sz="3200" dirty="0"/>
-          </a:p>
-        </p:txBody>
-      </p:sp>
-    </p:spTree>
-    <p:extLst>
-      <p:ext uri="{BB962C8B-B14F-4D97-AF65-F5344CB8AC3E}">
-        <p14:creationId xmlns:p14="http://schemas.microsoft.com/office/powerpoint/2010/main" val="3041615071"/>
-      </p:ext>
-    </p:extLst>
-  </p:cSld>
-  <p:clrMapOvr>
-    <a:masterClrMapping/>
-  </p:clrMapOvr>
-</p:sld>
-</file>
-
-<file path=ppt/slides/slide4.xml><?xml version="1.0" encoding="utf-8"?>
-<p:sld xmlns:a="http://schemas.openxmlformats.org/drawingml/2006/main" xmlns:r="http://schemas.openxmlformats.org/officeDocument/2006/relationships" xmlns:p="http://schemas.openxmlformats.org/presentationml/2006/main">
-  <p:cSld>
-    <p:spTree>
-      <p:nvGrpSpPr>
-        <p:cNvPr id="1" name=""/>
-        <p:cNvGrpSpPr/>
-        <p:nvPr/>
-      </p:nvGrpSpPr>
-      <p:grpSpPr>
-        <a:xfrm>
-          <a:off x="0" y="0"/>
-          <a:ext cx="0" cy="0"/>
-          <a:chOff x="0" y="0"/>
-          <a:chExt cx="0" cy="0"/>
-        </a:xfrm>
-      </p:grpSpPr>
-      <p:sp>
-        <p:nvSpPr>
-          <p:cNvPr id="2" name="Titel 1">
-            <a:extLst>
-              <a:ext uri="{FF2B5EF4-FFF2-40B4-BE49-F238E27FC236}">
-                <a16:creationId xmlns:a16="http://schemas.microsoft.com/office/drawing/2014/main" id="{4E310814-A2C5-3CDA-DDE8-0A07CED872EF}"/>
-              </a:ext>
-            </a:extLst>
-          </p:cNvPr>
-          <p:cNvSpPr>
-            <a:spLocks noGrp="1"/>
-          </p:cNvSpPr>
-          <p:nvPr>
-            <p:ph type="title"/>
-          </p:nvPr>
-        </p:nvSpPr>
-        <p:spPr/>
-        <p:txBody>
-          <a:bodyPr/>
-          <a:lstStyle/>
-          <a:p>
-            <a:r>
-              <a:rPr lang="da-DK" dirty="0" err="1"/>
-              <a:t>Calculating</a:t>
-            </a:r>
-            <a:r>
-              <a:rPr lang="da-DK" dirty="0"/>
-              <a:t> </a:t>
-            </a:r>
-            <a:r>
-              <a:rPr lang="da-DK" dirty="0" err="1"/>
-              <a:t>momenta</a:t>
-            </a:r>
-            <a:r>
-              <a:rPr lang="da-DK" dirty="0"/>
-              <a:t> and positions with </a:t>
-            </a:r>
-            <a:r>
-              <a:rPr lang="da-DK" dirty="0" err="1"/>
-              <a:t>predicted</a:t>
-            </a:r>
-            <a:r>
-              <a:rPr lang="da-DK" dirty="0"/>
-              <a:t> forces (3rd </a:t>
-            </a:r>
-            <a:r>
-              <a:rPr lang="da-DK" dirty="0" err="1"/>
-              <a:t>prediction</a:t>
-            </a:r>
-            <a:r>
-              <a:rPr lang="da-DK" dirty="0"/>
-              <a:t>)</a:t>
-            </a:r>
-          </a:p>
-        </p:txBody>
-      </p:sp>
-      <p:pic>
-        <p:nvPicPr>
-          <p:cNvPr id="5" name="Billede 4">
-            <a:extLst>
-              <a:ext uri="{FF2B5EF4-FFF2-40B4-BE49-F238E27FC236}">
-                <a16:creationId xmlns:a16="http://schemas.microsoft.com/office/drawing/2014/main" id="{5594153F-F736-AC7C-DCEC-043CA59BA6E2}"/>
-              </a:ext>
-            </a:extLst>
-          </p:cNvPr>
-          <p:cNvPicPr>
-            <a:picLocks noChangeAspect="1"/>
-          </p:cNvPicPr>
-          <p:nvPr/>
-        </p:nvPicPr>
-        <p:blipFill>
-          <a:blip r:embed="rId2">
-            <a:extLst>
-              <a:ext uri="{28A0092B-C50C-407E-A947-70E740481C1C}">
-                <a14:useLocalDpi xmlns:a14="http://schemas.microsoft.com/office/drawing/2010/main" val="0"/>
-              </a:ext>
-            </a:extLst>
-          </a:blip>
-          <a:srcRect/>
-          <a:stretch/>
-        </p:blipFill>
-        <p:spPr>
-          <a:xfrm>
-            <a:off x="569391" y="2958161"/>
-            <a:ext cx="5133184" cy="2086266"/>
-          </a:xfrm>
-          <a:prstGeom prst="rect">
-            <a:avLst/>
-          </a:prstGeom>
-        </p:spPr>
-      </p:pic>
-      <p:pic>
-        <p:nvPicPr>
-          <p:cNvPr id="9" name="Billede 8">
-            <a:extLst>
-              <a:ext uri="{FF2B5EF4-FFF2-40B4-BE49-F238E27FC236}">
-                <a16:creationId xmlns:a16="http://schemas.microsoft.com/office/drawing/2014/main" id="{139756A0-5B43-C2B9-A47A-9F52178AD89B}"/>
-              </a:ext>
-            </a:extLst>
-          </p:cNvPr>
-          <p:cNvPicPr>
-            <a:picLocks noChangeAspect="1"/>
-          </p:cNvPicPr>
-          <p:nvPr/>
-        </p:nvPicPr>
-        <p:blipFill>
-          <a:blip r:embed="rId3">
-            <a:extLst>
-              <a:ext uri="{28A0092B-C50C-407E-A947-70E740481C1C}">
-                <a14:useLocalDpi xmlns:a14="http://schemas.microsoft.com/office/drawing/2010/main" val="0"/>
-              </a:ext>
-            </a:extLst>
-          </a:blip>
-          <a:srcRect/>
-          <a:stretch/>
-        </p:blipFill>
-        <p:spPr>
-          <a:xfrm>
-            <a:off x="6362003" y="2990721"/>
-            <a:ext cx="4991797" cy="2011619"/>
-          </a:xfrm>
-          <a:prstGeom prst="rect">
-            <a:avLst/>
-          </a:prstGeom>
-        </p:spPr>
-      </p:pic>
-      <p:sp>
-        <p:nvSpPr>
-          <p:cNvPr id="10" name="Tekstfelt 9">
-            <a:extLst>
-              <a:ext uri="{FF2B5EF4-FFF2-40B4-BE49-F238E27FC236}">
-                <a16:creationId xmlns:a16="http://schemas.microsoft.com/office/drawing/2014/main" id="{EC522A23-95B6-6CA2-4FA5-756E6B431481}"/>
-              </a:ext>
-            </a:extLst>
-          </p:cNvPr>
-          <p:cNvSpPr txBox="1"/>
-          <p:nvPr/>
-        </p:nvSpPr>
-        <p:spPr>
-          <a:xfrm>
-            <a:off x="1033413" y="2130458"/>
-            <a:ext cx="4205140" cy="584775"/>
-          </a:xfrm>
-          <a:prstGeom prst="rect">
-            <a:avLst/>
-          </a:prstGeom>
-          <a:noFill/>
-        </p:spPr>
-        <p:txBody>
-          <a:bodyPr wrap="square" rtlCol="0">
-            <a:spAutoFit/>
-          </a:bodyPr>
-          <a:lstStyle/>
-          <a:p>
-            <a:pPr algn="ctr"/>
-            <a:r>
-              <a:rPr lang="da-DK" sz="3200" dirty="0"/>
-              <a:t>Simulation</a:t>
-            </a:r>
-          </a:p>
-        </p:txBody>
-      </p:sp>
-      <p:sp>
-        <p:nvSpPr>
-          <p:cNvPr id="11" name="Tekstfelt 10">
-            <a:extLst>
-              <a:ext uri="{FF2B5EF4-FFF2-40B4-BE49-F238E27FC236}">
-                <a16:creationId xmlns:a16="http://schemas.microsoft.com/office/drawing/2014/main" id="{BD5E71FD-08DB-3ECE-9DC6-80BB32FD0A98}"/>
-              </a:ext>
-            </a:extLst>
-          </p:cNvPr>
-          <p:cNvSpPr txBox="1"/>
-          <p:nvPr/>
-        </p:nvSpPr>
-        <p:spPr>
-          <a:xfrm>
-            <a:off x="6882985" y="2130458"/>
-            <a:ext cx="3949831" cy="584775"/>
-          </a:xfrm>
-          <a:prstGeom prst="rect">
-            <a:avLst/>
-          </a:prstGeom>
-          <a:noFill/>
-        </p:spPr>
-        <p:txBody>
-          <a:bodyPr wrap="square" rtlCol="0">
-            <a:spAutoFit/>
-          </a:bodyPr>
-          <a:lstStyle/>
-          <a:p>
-            <a:pPr algn="ctr"/>
-            <a:r>
-              <a:rPr lang="da-DK" sz="3200" dirty="0" err="1"/>
-              <a:t>Calculation</a:t>
-            </a:r>
-            <a:endParaRPr lang="da-DK" sz="3200" dirty="0"/>
-          </a:p>
-        </p:txBody>
-      </p:sp>
-    </p:spTree>
-    <p:extLst>
-      <p:ext uri="{BB962C8B-B14F-4D97-AF65-F5344CB8AC3E}">
-        <p14:creationId xmlns:p14="http://schemas.microsoft.com/office/powerpoint/2010/main" val="148516950"/>
-      </p:ext>
-    </p:extLst>
-  </p:cSld>
-  <p:clrMapOvr>
-    <a:masterClrMapping/>
-  </p:clrMapOvr>
-</p:sld>
-</file>
-
-<file path=ppt/slides/slide5.xml><?xml version="1.0" encoding="utf-8"?>
-<p:sld xmlns:a="http://schemas.openxmlformats.org/drawingml/2006/main" xmlns:r="http://schemas.openxmlformats.org/officeDocument/2006/relationships" xmlns:p="http://schemas.openxmlformats.org/presentationml/2006/main">
-  <p:cSld>
-    <p:spTree>
-      <p:nvGrpSpPr>
-        <p:cNvPr id="1" name=""/>
-        <p:cNvGrpSpPr/>
-        <p:nvPr/>
-      </p:nvGrpSpPr>
-      <p:grpSpPr>
-        <a:xfrm>
-          <a:off x="0" y="0"/>
-          <a:ext cx="0" cy="0"/>
-          <a:chOff x="0" y="0"/>
-          <a:chExt cx="0" cy="0"/>
-        </a:xfrm>
-      </p:grpSpPr>
-      <p:sp>
-        <p:nvSpPr>
-          <p:cNvPr id="2" name="Titel 1">
-            <a:extLst>
-              <a:ext uri="{FF2B5EF4-FFF2-40B4-BE49-F238E27FC236}">
-                <a16:creationId xmlns:a16="http://schemas.microsoft.com/office/drawing/2014/main" id="{4E310814-A2C5-3CDA-DDE8-0A07CED872EF}"/>
-              </a:ext>
-            </a:extLst>
-          </p:cNvPr>
-          <p:cNvSpPr>
-            <a:spLocks noGrp="1"/>
-          </p:cNvSpPr>
-          <p:nvPr>
-            <p:ph type="title"/>
-          </p:nvPr>
-        </p:nvSpPr>
-        <p:spPr/>
-        <p:txBody>
-          <a:bodyPr/>
-          <a:lstStyle/>
-          <a:p>
-            <a:r>
-              <a:rPr lang="da-DK" dirty="0"/>
-              <a:t>Histogram of angle</a:t>
-            </a:r>
-          </a:p>
-        </p:txBody>
-      </p:sp>
-      <p:pic>
-        <p:nvPicPr>
-          <p:cNvPr id="5" name="Billede 4">
-            <a:extLst>
-              <a:ext uri="{FF2B5EF4-FFF2-40B4-BE49-F238E27FC236}">
-                <a16:creationId xmlns:a16="http://schemas.microsoft.com/office/drawing/2014/main" id="{AC64C12B-74E9-1213-17C8-F5B239039D11}"/>
-              </a:ext>
-            </a:extLst>
-          </p:cNvPr>
-          <p:cNvPicPr>
-            <a:picLocks noChangeAspect="1"/>
-          </p:cNvPicPr>
-          <p:nvPr/>
-        </p:nvPicPr>
-        <p:blipFill>
-          <a:blip r:embed="rId2"/>
-          <a:stretch>
-            <a:fillRect/>
-          </a:stretch>
-        </p:blipFill>
-        <p:spPr>
-          <a:xfrm>
-            <a:off x="1479223" y="1594788"/>
-            <a:ext cx="8195351" cy="4898087"/>
-          </a:xfrm>
-          <a:prstGeom prst="rect">
-            <a:avLst/>
-          </a:prstGeom>
-        </p:spPr>
-      </p:pic>
-    </p:spTree>
-    <p:extLst>
-      <p:ext uri="{BB962C8B-B14F-4D97-AF65-F5344CB8AC3E}">
-        <p14:creationId xmlns:p14="http://schemas.microsoft.com/office/powerpoint/2010/main" val="3241515790"/>
-      </p:ext>
-    </p:extLst>
-  </p:cSld>
-  <p:clrMapOvr>
-    <a:masterClrMapping/>
-  </p:clrMapOvr>
-</p:sld>
-</file>
-
-<file path=ppt/slides/slide6.xml><?xml version="1.0" encoding="utf-8"?>
+<file path=ppt/slides/slide10.xml><?xml version="1.0" encoding="utf-8"?>
 <p:sld xmlns:a="http://schemas.openxmlformats.org/drawingml/2006/main" xmlns:r="http://schemas.openxmlformats.org/officeDocument/2006/relationships" xmlns:p="http://schemas.openxmlformats.org/presentationml/2006/main">
   <p:cSld>
     <p:spTree>
@@ -4515,7 +3808,7 @@
 </p:sld>
 </file>
 
-<file path=ppt/slides/slide7.xml><?xml version="1.0" encoding="utf-8"?>
+<file path=ppt/slides/slide11.xml><?xml version="1.0" encoding="utf-8"?>
 <p:sld xmlns:a="http://schemas.openxmlformats.org/drawingml/2006/main" xmlns:r="http://schemas.openxmlformats.org/officeDocument/2006/relationships" xmlns:p="http://schemas.openxmlformats.org/presentationml/2006/main">
   <p:cSld>
     <p:spTree>
@@ -4603,7 +3896,7 @@
 </p:sld>
 </file>
 
-<file path=ppt/slides/slide8.xml><?xml version="1.0" encoding="utf-8"?>
+<file path=ppt/slides/slide12.xml><?xml version="1.0" encoding="utf-8"?>
 <p:sld xmlns:a="http://schemas.openxmlformats.org/drawingml/2006/main" xmlns:r="http://schemas.openxmlformats.org/officeDocument/2006/relationships" xmlns:p="http://schemas.openxmlformats.org/presentationml/2006/main">
   <p:cSld>
     <p:spTree>
@@ -4687,6 +3980,1606 @@
     <p:extLst>
       <p:ext uri="{BB962C8B-B14F-4D97-AF65-F5344CB8AC3E}">
         <p14:creationId xmlns:p14="http://schemas.microsoft.com/office/powerpoint/2010/main" val="1481848804"/>
+      </p:ext>
+    </p:extLst>
+  </p:cSld>
+  <p:clrMapOvr>
+    <a:masterClrMapping/>
+  </p:clrMapOvr>
+</p:sld>
+</file>
+
+<file path=ppt/slides/slide13.xml><?xml version="1.0" encoding="utf-8"?>
+<p:sld xmlns:a="http://schemas.openxmlformats.org/drawingml/2006/main" xmlns:r="http://schemas.openxmlformats.org/officeDocument/2006/relationships" xmlns:p="http://schemas.openxmlformats.org/presentationml/2006/main">
+  <p:cSld>
+    <p:spTree>
+      <p:nvGrpSpPr>
+        <p:cNvPr id="1" name=""/>
+        <p:cNvGrpSpPr/>
+        <p:nvPr/>
+      </p:nvGrpSpPr>
+      <p:grpSpPr>
+        <a:xfrm>
+          <a:off x="0" y="0"/>
+          <a:ext cx="0" cy="0"/>
+          <a:chOff x="0" y="0"/>
+          <a:chExt cx="0" cy="0"/>
+        </a:xfrm>
+      </p:grpSpPr>
+      <p:sp>
+        <p:nvSpPr>
+          <p:cNvPr id="2" name="Title 1">
+            <a:extLst>
+              <a:ext uri="{FF2B5EF4-FFF2-40B4-BE49-F238E27FC236}">
+                <a16:creationId xmlns:a16="http://schemas.microsoft.com/office/drawing/2014/main" id="{40003C9C-9302-C932-4B22-8451BE000B8A}"/>
+              </a:ext>
+            </a:extLst>
+          </p:cNvPr>
+          <p:cNvSpPr>
+            <a:spLocks noGrp="1"/>
+          </p:cNvSpPr>
+          <p:nvPr>
+            <p:ph type="title"/>
+          </p:nvPr>
+        </p:nvSpPr>
+        <p:spPr/>
+        <p:txBody>
+          <a:bodyPr/>
+          <a:lstStyle/>
+          <a:p>
+            <a:endParaRPr lang="en-GB"/>
+          </a:p>
+        </p:txBody>
+      </p:sp>
+      <p:sp>
+        <p:nvSpPr>
+          <p:cNvPr id="3" name="Content Placeholder 2">
+            <a:extLst>
+              <a:ext uri="{FF2B5EF4-FFF2-40B4-BE49-F238E27FC236}">
+                <a16:creationId xmlns:a16="http://schemas.microsoft.com/office/drawing/2014/main" id="{6E72103C-7D42-F13B-92AC-540B759E83D2}"/>
+              </a:ext>
+            </a:extLst>
+          </p:cNvPr>
+          <p:cNvSpPr>
+            <a:spLocks noGrp="1"/>
+          </p:cNvSpPr>
+          <p:nvPr>
+            <p:ph idx="1"/>
+          </p:nvPr>
+        </p:nvSpPr>
+        <p:spPr/>
+        <p:txBody>
+          <a:bodyPr/>
+          <a:lstStyle/>
+          <a:p>
+            <a:pPr>
+              <a:lnSpc>
+                <a:spcPct val="150000"/>
+              </a:lnSpc>
+            </a:pPr>
+            <a:r>
+              <a:rPr lang="da-DK" dirty="0"/>
+              <a:t>Need more data (time steps)?</a:t>
+            </a:r>
+          </a:p>
+          <a:p>
+            <a:pPr>
+              <a:lnSpc>
+                <a:spcPct val="150000"/>
+              </a:lnSpc>
+            </a:pPr>
+            <a:r>
+              <a:rPr lang="da-DK" dirty="0"/>
+              <a:t>Compare the similarity of histograms</a:t>
+            </a:r>
+          </a:p>
+          <a:p>
+            <a:pPr lvl="1">
+              <a:lnSpc>
+                <a:spcPct val="150000"/>
+              </a:lnSpc>
+            </a:pPr>
+            <a:r>
+              <a:rPr lang="da-DK" dirty="0"/>
+              <a:t>Chi2 or </a:t>
+            </a:r>
+            <a:r>
+              <a:rPr lang="en-GB" b="0" i="0" dirty="0">
+                <a:solidFill>
+                  <a:srgbClr val="000000"/>
+                </a:solidFill>
+                <a:effectLst/>
+                <a:latin typeface="Linux Libertine"/>
+              </a:rPr>
+              <a:t>Kolmogorov–Smirnov</a:t>
+            </a:r>
+            <a:endParaRPr lang="da-DK" dirty="0"/>
+          </a:p>
+          <a:p>
+            <a:pPr>
+              <a:lnSpc>
+                <a:spcPct val="150000"/>
+              </a:lnSpc>
+            </a:pPr>
+            <a:r>
+              <a:rPr lang="da-DK" dirty="0"/>
+              <a:t>Compare average values</a:t>
+            </a:r>
+          </a:p>
+          <a:p>
+            <a:pPr lvl="1">
+              <a:lnSpc>
+                <a:spcPct val="150000"/>
+              </a:lnSpc>
+            </a:pPr>
+            <a:r>
+              <a:rPr lang="da-DK" dirty="0"/>
+              <a:t>Fit a Gaussian using chi2</a:t>
+            </a:r>
+          </a:p>
+          <a:p>
+            <a:pPr lvl="1">
+              <a:lnSpc>
+                <a:spcPct val="150000"/>
+              </a:lnSpc>
+            </a:pPr>
+            <a:r>
+              <a:rPr lang="da-DK" dirty="0"/>
+              <a:t>Find the average and variance of the data set</a:t>
+            </a:r>
+          </a:p>
+        </p:txBody>
+      </p:sp>
+    </p:spTree>
+    <p:extLst>
+      <p:ext uri="{BB962C8B-B14F-4D97-AF65-F5344CB8AC3E}">
+        <p14:creationId xmlns:p14="http://schemas.microsoft.com/office/powerpoint/2010/main" val="2682423451"/>
+      </p:ext>
+    </p:extLst>
+  </p:cSld>
+  <p:clrMapOvr>
+    <a:masterClrMapping/>
+  </p:clrMapOvr>
+</p:sld>
+</file>
+
+<file path=ppt/slides/slide2.xml><?xml version="1.0" encoding="utf-8"?>
+<p:sld xmlns:a="http://schemas.openxmlformats.org/drawingml/2006/main" xmlns:r="http://schemas.openxmlformats.org/officeDocument/2006/relationships" xmlns:p="http://schemas.openxmlformats.org/presentationml/2006/main">
+  <p:cSld>
+    <p:spTree>
+      <p:nvGrpSpPr>
+        <p:cNvPr id="1" name=""/>
+        <p:cNvGrpSpPr/>
+        <p:nvPr/>
+      </p:nvGrpSpPr>
+      <p:grpSpPr>
+        <a:xfrm>
+          <a:off x="0" y="0"/>
+          <a:ext cx="0" cy="0"/>
+          <a:chOff x="0" y="0"/>
+          <a:chExt cx="0" cy="0"/>
+        </a:xfrm>
+      </p:grpSpPr>
+      <p:sp>
+        <p:nvSpPr>
+          <p:cNvPr id="2" name="Titel 1">
+            <a:extLst>
+              <a:ext uri="{FF2B5EF4-FFF2-40B4-BE49-F238E27FC236}">
+                <a16:creationId xmlns:a16="http://schemas.microsoft.com/office/drawing/2014/main" id="{4E310814-A2C5-3CDA-DDE8-0A07CED872EF}"/>
+              </a:ext>
+            </a:extLst>
+          </p:cNvPr>
+          <p:cNvSpPr>
+            <a:spLocks noGrp="1"/>
+          </p:cNvSpPr>
+          <p:nvPr>
+            <p:ph type="title"/>
+          </p:nvPr>
+        </p:nvSpPr>
+        <p:spPr/>
+        <p:txBody>
+          <a:bodyPr/>
+          <a:lstStyle/>
+          <a:p>
+            <a:r>
+              <a:rPr lang="da-DK" dirty="0" err="1"/>
+              <a:t>Calculating</a:t>
+            </a:r>
+            <a:r>
+              <a:rPr lang="da-DK" dirty="0"/>
+              <a:t> </a:t>
+            </a:r>
+            <a:r>
+              <a:rPr lang="da-DK" dirty="0" err="1"/>
+              <a:t>momenta</a:t>
+            </a:r>
+            <a:r>
+              <a:rPr lang="da-DK" dirty="0"/>
+              <a:t> and positions with </a:t>
+            </a:r>
+            <a:r>
+              <a:rPr lang="da-DK" dirty="0" err="1"/>
+              <a:t>predicted</a:t>
+            </a:r>
+            <a:r>
+              <a:rPr lang="da-DK" dirty="0"/>
+              <a:t> forces (1st </a:t>
+            </a:r>
+            <a:r>
+              <a:rPr lang="da-DK" dirty="0" err="1"/>
+              <a:t>prediction</a:t>
+            </a:r>
+            <a:r>
+              <a:rPr lang="da-DK" dirty="0"/>
+              <a:t>)</a:t>
+            </a:r>
+          </a:p>
+        </p:txBody>
+      </p:sp>
+      <p:pic>
+        <p:nvPicPr>
+          <p:cNvPr id="5" name="Billede 4">
+            <a:extLst>
+              <a:ext uri="{FF2B5EF4-FFF2-40B4-BE49-F238E27FC236}">
+                <a16:creationId xmlns:a16="http://schemas.microsoft.com/office/drawing/2014/main" id="{5594153F-F736-AC7C-DCEC-043CA59BA6E2}"/>
+              </a:ext>
+            </a:extLst>
+          </p:cNvPr>
+          <p:cNvPicPr>
+            <a:picLocks noChangeAspect="1"/>
+          </p:cNvPicPr>
+          <p:nvPr/>
+        </p:nvPicPr>
+        <p:blipFill>
+          <a:blip r:embed="rId2"/>
+          <a:stretch>
+            <a:fillRect/>
+          </a:stretch>
+        </p:blipFill>
+        <p:spPr>
+          <a:xfrm>
+            <a:off x="554348" y="2958161"/>
+            <a:ext cx="5163271" cy="2086266"/>
+          </a:xfrm>
+          <a:prstGeom prst="rect">
+            <a:avLst/>
+          </a:prstGeom>
+        </p:spPr>
+      </p:pic>
+      <p:pic>
+        <p:nvPicPr>
+          <p:cNvPr id="9" name="Billede 8">
+            <a:extLst>
+              <a:ext uri="{FF2B5EF4-FFF2-40B4-BE49-F238E27FC236}">
+                <a16:creationId xmlns:a16="http://schemas.microsoft.com/office/drawing/2014/main" id="{139756A0-5B43-C2B9-A47A-9F52178AD89B}"/>
+              </a:ext>
+            </a:extLst>
+          </p:cNvPr>
+          <p:cNvPicPr>
+            <a:picLocks noChangeAspect="1"/>
+          </p:cNvPicPr>
+          <p:nvPr/>
+        </p:nvPicPr>
+        <p:blipFill>
+          <a:blip r:embed="rId3"/>
+          <a:stretch>
+            <a:fillRect/>
+          </a:stretch>
+        </p:blipFill>
+        <p:spPr>
+          <a:xfrm>
+            <a:off x="6362003" y="2958161"/>
+            <a:ext cx="4991797" cy="2076740"/>
+          </a:xfrm>
+          <a:prstGeom prst="rect">
+            <a:avLst/>
+          </a:prstGeom>
+        </p:spPr>
+      </p:pic>
+      <p:sp>
+        <p:nvSpPr>
+          <p:cNvPr id="10" name="Tekstfelt 9">
+            <a:extLst>
+              <a:ext uri="{FF2B5EF4-FFF2-40B4-BE49-F238E27FC236}">
+                <a16:creationId xmlns:a16="http://schemas.microsoft.com/office/drawing/2014/main" id="{EC522A23-95B6-6CA2-4FA5-756E6B431481}"/>
+              </a:ext>
+            </a:extLst>
+          </p:cNvPr>
+          <p:cNvSpPr txBox="1"/>
+          <p:nvPr/>
+        </p:nvSpPr>
+        <p:spPr>
+          <a:xfrm>
+            <a:off x="1033413" y="2130458"/>
+            <a:ext cx="4205140" cy="584775"/>
+          </a:xfrm>
+          <a:prstGeom prst="rect">
+            <a:avLst/>
+          </a:prstGeom>
+          <a:noFill/>
+        </p:spPr>
+        <p:txBody>
+          <a:bodyPr wrap="square" rtlCol="0">
+            <a:spAutoFit/>
+          </a:bodyPr>
+          <a:lstStyle/>
+          <a:p>
+            <a:pPr algn="ctr"/>
+            <a:r>
+              <a:rPr lang="da-DK" sz="3200" dirty="0"/>
+              <a:t>Simulation</a:t>
+            </a:r>
+          </a:p>
+        </p:txBody>
+      </p:sp>
+      <p:sp>
+        <p:nvSpPr>
+          <p:cNvPr id="11" name="Tekstfelt 10">
+            <a:extLst>
+              <a:ext uri="{FF2B5EF4-FFF2-40B4-BE49-F238E27FC236}">
+                <a16:creationId xmlns:a16="http://schemas.microsoft.com/office/drawing/2014/main" id="{BD5E71FD-08DB-3ECE-9DC6-80BB32FD0A98}"/>
+              </a:ext>
+            </a:extLst>
+          </p:cNvPr>
+          <p:cNvSpPr txBox="1"/>
+          <p:nvPr/>
+        </p:nvSpPr>
+        <p:spPr>
+          <a:xfrm>
+            <a:off x="6882985" y="2130458"/>
+            <a:ext cx="3949831" cy="584775"/>
+          </a:xfrm>
+          <a:prstGeom prst="rect">
+            <a:avLst/>
+          </a:prstGeom>
+          <a:noFill/>
+        </p:spPr>
+        <p:txBody>
+          <a:bodyPr wrap="square" rtlCol="0">
+            <a:spAutoFit/>
+          </a:bodyPr>
+          <a:lstStyle/>
+          <a:p>
+            <a:pPr algn="ctr"/>
+            <a:r>
+              <a:rPr lang="da-DK" sz="3200" dirty="0" err="1"/>
+              <a:t>Calculation</a:t>
+            </a:r>
+            <a:endParaRPr lang="da-DK" sz="3200" dirty="0"/>
+          </a:p>
+        </p:txBody>
+      </p:sp>
+    </p:spTree>
+    <p:extLst>
+      <p:ext uri="{BB962C8B-B14F-4D97-AF65-F5344CB8AC3E}">
+        <p14:creationId xmlns:p14="http://schemas.microsoft.com/office/powerpoint/2010/main" val="3041615071"/>
+      </p:ext>
+    </p:extLst>
+  </p:cSld>
+  <p:clrMapOvr>
+    <a:masterClrMapping/>
+  </p:clrMapOvr>
+</p:sld>
+</file>
+
+<file path=ppt/slides/slide3.xml><?xml version="1.0" encoding="utf-8"?>
+<p:sld xmlns:a="http://schemas.openxmlformats.org/drawingml/2006/main" xmlns:r="http://schemas.openxmlformats.org/officeDocument/2006/relationships" xmlns:p="http://schemas.openxmlformats.org/presentationml/2006/main">
+  <p:cSld>
+    <p:spTree>
+      <p:nvGrpSpPr>
+        <p:cNvPr id="1" name=""/>
+        <p:cNvGrpSpPr/>
+        <p:nvPr/>
+      </p:nvGrpSpPr>
+      <p:grpSpPr>
+        <a:xfrm>
+          <a:off x="0" y="0"/>
+          <a:ext cx="0" cy="0"/>
+          <a:chOff x="0" y="0"/>
+          <a:chExt cx="0" cy="0"/>
+        </a:xfrm>
+      </p:grpSpPr>
+      <p:sp>
+        <p:nvSpPr>
+          <p:cNvPr id="2" name="Titel 1">
+            <a:extLst>
+              <a:ext uri="{FF2B5EF4-FFF2-40B4-BE49-F238E27FC236}">
+                <a16:creationId xmlns:a16="http://schemas.microsoft.com/office/drawing/2014/main" id="{4E310814-A2C5-3CDA-DDE8-0A07CED872EF}"/>
+              </a:ext>
+            </a:extLst>
+          </p:cNvPr>
+          <p:cNvSpPr>
+            <a:spLocks noGrp="1"/>
+          </p:cNvSpPr>
+          <p:nvPr>
+            <p:ph type="title"/>
+          </p:nvPr>
+        </p:nvSpPr>
+        <p:spPr/>
+        <p:txBody>
+          <a:bodyPr/>
+          <a:lstStyle/>
+          <a:p>
+            <a:r>
+              <a:rPr lang="da-DK" dirty="0" err="1"/>
+              <a:t>Calculating</a:t>
+            </a:r>
+            <a:r>
+              <a:rPr lang="da-DK" dirty="0"/>
+              <a:t> </a:t>
+            </a:r>
+            <a:r>
+              <a:rPr lang="da-DK" dirty="0" err="1"/>
+              <a:t>momenta</a:t>
+            </a:r>
+            <a:r>
+              <a:rPr lang="da-DK" dirty="0"/>
+              <a:t> and positions with </a:t>
+            </a:r>
+            <a:r>
+              <a:rPr lang="da-DK" dirty="0" err="1"/>
+              <a:t>predicted</a:t>
+            </a:r>
+            <a:r>
+              <a:rPr lang="da-DK" dirty="0"/>
+              <a:t> forces (3rd </a:t>
+            </a:r>
+            <a:r>
+              <a:rPr lang="da-DK" dirty="0" err="1"/>
+              <a:t>prediction</a:t>
+            </a:r>
+            <a:r>
+              <a:rPr lang="da-DK" dirty="0"/>
+              <a:t>)</a:t>
+            </a:r>
+          </a:p>
+        </p:txBody>
+      </p:sp>
+      <p:pic>
+        <p:nvPicPr>
+          <p:cNvPr id="5" name="Billede 4">
+            <a:extLst>
+              <a:ext uri="{FF2B5EF4-FFF2-40B4-BE49-F238E27FC236}">
+                <a16:creationId xmlns:a16="http://schemas.microsoft.com/office/drawing/2014/main" id="{5594153F-F736-AC7C-DCEC-043CA59BA6E2}"/>
+              </a:ext>
+            </a:extLst>
+          </p:cNvPr>
+          <p:cNvPicPr>
+            <a:picLocks noChangeAspect="1"/>
+          </p:cNvPicPr>
+          <p:nvPr/>
+        </p:nvPicPr>
+        <p:blipFill>
+          <a:blip r:embed="rId2">
+            <a:extLst>
+              <a:ext uri="{28A0092B-C50C-407E-A947-70E740481C1C}">
+                <a14:useLocalDpi xmlns:a14="http://schemas.microsoft.com/office/drawing/2010/main" val="0"/>
+              </a:ext>
+            </a:extLst>
+          </a:blip>
+          <a:srcRect/>
+          <a:stretch/>
+        </p:blipFill>
+        <p:spPr>
+          <a:xfrm>
+            <a:off x="569391" y="2958161"/>
+            <a:ext cx="5133184" cy="2086266"/>
+          </a:xfrm>
+          <a:prstGeom prst="rect">
+            <a:avLst/>
+          </a:prstGeom>
+        </p:spPr>
+      </p:pic>
+      <p:pic>
+        <p:nvPicPr>
+          <p:cNvPr id="9" name="Billede 8">
+            <a:extLst>
+              <a:ext uri="{FF2B5EF4-FFF2-40B4-BE49-F238E27FC236}">
+                <a16:creationId xmlns:a16="http://schemas.microsoft.com/office/drawing/2014/main" id="{139756A0-5B43-C2B9-A47A-9F52178AD89B}"/>
+              </a:ext>
+            </a:extLst>
+          </p:cNvPr>
+          <p:cNvPicPr>
+            <a:picLocks noChangeAspect="1"/>
+          </p:cNvPicPr>
+          <p:nvPr/>
+        </p:nvPicPr>
+        <p:blipFill>
+          <a:blip r:embed="rId3">
+            <a:extLst>
+              <a:ext uri="{28A0092B-C50C-407E-A947-70E740481C1C}">
+                <a14:useLocalDpi xmlns:a14="http://schemas.microsoft.com/office/drawing/2010/main" val="0"/>
+              </a:ext>
+            </a:extLst>
+          </a:blip>
+          <a:srcRect/>
+          <a:stretch/>
+        </p:blipFill>
+        <p:spPr>
+          <a:xfrm>
+            <a:off x="6362003" y="2990721"/>
+            <a:ext cx="4991797" cy="2011619"/>
+          </a:xfrm>
+          <a:prstGeom prst="rect">
+            <a:avLst/>
+          </a:prstGeom>
+        </p:spPr>
+      </p:pic>
+      <p:sp>
+        <p:nvSpPr>
+          <p:cNvPr id="10" name="Tekstfelt 9">
+            <a:extLst>
+              <a:ext uri="{FF2B5EF4-FFF2-40B4-BE49-F238E27FC236}">
+                <a16:creationId xmlns:a16="http://schemas.microsoft.com/office/drawing/2014/main" id="{EC522A23-95B6-6CA2-4FA5-756E6B431481}"/>
+              </a:ext>
+            </a:extLst>
+          </p:cNvPr>
+          <p:cNvSpPr txBox="1"/>
+          <p:nvPr/>
+        </p:nvSpPr>
+        <p:spPr>
+          <a:xfrm>
+            <a:off x="1033413" y="2130458"/>
+            <a:ext cx="4205140" cy="584775"/>
+          </a:xfrm>
+          <a:prstGeom prst="rect">
+            <a:avLst/>
+          </a:prstGeom>
+          <a:noFill/>
+        </p:spPr>
+        <p:txBody>
+          <a:bodyPr wrap="square" rtlCol="0">
+            <a:spAutoFit/>
+          </a:bodyPr>
+          <a:lstStyle/>
+          <a:p>
+            <a:pPr algn="ctr"/>
+            <a:r>
+              <a:rPr lang="da-DK" sz="3200" dirty="0"/>
+              <a:t>Simulation</a:t>
+            </a:r>
+          </a:p>
+        </p:txBody>
+      </p:sp>
+      <p:sp>
+        <p:nvSpPr>
+          <p:cNvPr id="11" name="Tekstfelt 10">
+            <a:extLst>
+              <a:ext uri="{FF2B5EF4-FFF2-40B4-BE49-F238E27FC236}">
+                <a16:creationId xmlns:a16="http://schemas.microsoft.com/office/drawing/2014/main" id="{BD5E71FD-08DB-3ECE-9DC6-80BB32FD0A98}"/>
+              </a:ext>
+            </a:extLst>
+          </p:cNvPr>
+          <p:cNvSpPr txBox="1"/>
+          <p:nvPr/>
+        </p:nvSpPr>
+        <p:spPr>
+          <a:xfrm>
+            <a:off x="6882985" y="2130458"/>
+            <a:ext cx="3949831" cy="584775"/>
+          </a:xfrm>
+          <a:prstGeom prst="rect">
+            <a:avLst/>
+          </a:prstGeom>
+          <a:noFill/>
+        </p:spPr>
+        <p:txBody>
+          <a:bodyPr wrap="square" rtlCol="0">
+            <a:spAutoFit/>
+          </a:bodyPr>
+          <a:lstStyle/>
+          <a:p>
+            <a:pPr algn="ctr"/>
+            <a:r>
+              <a:rPr lang="da-DK" sz="3200" dirty="0" err="1"/>
+              <a:t>Calculation</a:t>
+            </a:r>
+            <a:endParaRPr lang="da-DK" sz="3200" dirty="0"/>
+          </a:p>
+        </p:txBody>
+      </p:sp>
+    </p:spTree>
+    <p:extLst>
+      <p:ext uri="{BB962C8B-B14F-4D97-AF65-F5344CB8AC3E}">
+        <p14:creationId xmlns:p14="http://schemas.microsoft.com/office/powerpoint/2010/main" val="148516950"/>
+      </p:ext>
+    </p:extLst>
+  </p:cSld>
+  <p:clrMapOvr>
+    <a:masterClrMapping/>
+  </p:clrMapOvr>
+</p:sld>
+</file>
+
+<file path=ppt/slides/slide4.xml><?xml version="1.0" encoding="utf-8"?>
+<p:sld xmlns:a="http://schemas.openxmlformats.org/drawingml/2006/main" xmlns:r="http://schemas.openxmlformats.org/officeDocument/2006/relationships" xmlns:p="http://schemas.openxmlformats.org/presentationml/2006/main">
+  <p:cSld>
+    <p:spTree>
+      <p:nvGrpSpPr>
+        <p:cNvPr id="1" name=""/>
+        <p:cNvGrpSpPr/>
+        <p:nvPr/>
+      </p:nvGrpSpPr>
+      <p:grpSpPr>
+        <a:xfrm>
+          <a:off x="0" y="0"/>
+          <a:ext cx="0" cy="0"/>
+          <a:chOff x="0" y="0"/>
+          <a:chExt cx="0" cy="0"/>
+        </a:xfrm>
+      </p:grpSpPr>
+      <p:sp>
+        <p:nvSpPr>
+          <p:cNvPr id="2" name="Title 1">
+            <a:extLst>
+              <a:ext uri="{FF2B5EF4-FFF2-40B4-BE49-F238E27FC236}">
+                <a16:creationId xmlns:a16="http://schemas.microsoft.com/office/drawing/2014/main" id="{370B3C60-122E-026C-7877-2190D506C683}"/>
+              </a:ext>
+            </a:extLst>
+          </p:cNvPr>
+          <p:cNvSpPr>
+            <a:spLocks noGrp="1"/>
+          </p:cNvSpPr>
+          <p:nvPr>
+            <p:ph type="title"/>
+          </p:nvPr>
+        </p:nvSpPr>
+        <p:spPr/>
+        <p:txBody>
+          <a:bodyPr/>
+          <a:lstStyle/>
+          <a:p>
+            <a:endParaRPr lang="en-GB"/>
+          </a:p>
+        </p:txBody>
+      </p:sp>
+      <p:pic>
+        <p:nvPicPr>
+          <p:cNvPr id="5" name="Picture 4">
+            <a:extLst>
+              <a:ext uri="{FF2B5EF4-FFF2-40B4-BE49-F238E27FC236}">
+                <a16:creationId xmlns:a16="http://schemas.microsoft.com/office/drawing/2014/main" id="{A9E155AF-4A91-F612-E63E-5C2031EFE524}"/>
+              </a:ext>
+            </a:extLst>
+          </p:cNvPr>
+          <p:cNvPicPr>
+            <a:picLocks noChangeAspect="1"/>
+          </p:cNvPicPr>
+          <p:nvPr/>
+        </p:nvPicPr>
+        <p:blipFill>
+          <a:blip r:embed="rId2"/>
+          <a:stretch>
+            <a:fillRect/>
+          </a:stretch>
+        </p:blipFill>
+        <p:spPr>
+          <a:xfrm>
+            <a:off x="1228686" y="1862948"/>
+            <a:ext cx="2596865" cy="529972"/>
+          </a:xfrm>
+          <a:prstGeom prst="rect">
+            <a:avLst/>
+          </a:prstGeom>
+        </p:spPr>
+      </p:pic>
+      <p:pic>
+        <p:nvPicPr>
+          <p:cNvPr id="7" name="Picture 6">
+            <a:extLst>
+              <a:ext uri="{FF2B5EF4-FFF2-40B4-BE49-F238E27FC236}">
+                <a16:creationId xmlns:a16="http://schemas.microsoft.com/office/drawing/2014/main" id="{14C7554A-6568-7F9E-5BDA-CF032C79C565}"/>
+              </a:ext>
+            </a:extLst>
+          </p:cNvPr>
+          <p:cNvPicPr>
+            <a:picLocks noChangeAspect="1"/>
+          </p:cNvPicPr>
+          <p:nvPr/>
+        </p:nvPicPr>
+        <p:blipFill>
+          <a:blip r:embed="rId3"/>
+          <a:stretch>
+            <a:fillRect/>
+          </a:stretch>
+        </p:blipFill>
+        <p:spPr>
+          <a:xfrm>
+            <a:off x="1228686" y="3128432"/>
+            <a:ext cx="3974792" cy="529972"/>
+          </a:xfrm>
+          <a:prstGeom prst="rect">
+            <a:avLst/>
+          </a:prstGeom>
+        </p:spPr>
+      </p:pic>
+      <p:pic>
+        <p:nvPicPr>
+          <p:cNvPr id="9" name="Picture 8">
+            <a:extLst>
+              <a:ext uri="{FF2B5EF4-FFF2-40B4-BE49-F238E27FC236}">
+                <a16:creationId xmlns:a16="http://schemas.microsoft.com/office/drawing/2014/main" id="{F0CE0A73-6375-ED51-7CCF-069E715B7DC8}"/>
+              </a:ext>
+            </a:extLst>
+          </p:cNvPr>
+          <p:cNvPicPr>
+            <a:picLocks noChangeAspect="1"/>
+          </p:cNvPicPr>
+          <p:nvPr/>
+        </p:nvPicPr>
+        <p:blipFill>
+          <a:blip r:embed="rId4"/>
+          <a:stretch>
+            <a:fillRect/>
+          </a:stretch>
+        </p:blipFill>
+        <p:spPr>
+          <a:xfrm>
+            <a:off x="1228686" y="4393916"/>
+            <a:ext cx="2596865" cy="649217"/>
+          </a:xfrm>
+          <a:prstGeom prst="rect">
+            <a:avLst/>
+          </a:prstGeom>
+        </p:spPr>
+      </p:pic>
+    </p:spTree>
+    <p:extLst>
+      <p:ext uri="{BB962C8B-B14F-4D97-AF65-F5344CB8AC3E}">
+        <p14:creationId xmlns:p14="http://schemas.microsoft.com/office/powerpoint/2010/main" val="2847551992"/>
+      </p:ext>
+    </p:extLst>
+  </p:cSld>
+  <p:clrMapOvr>
+    <a:masterClrMapping/>
+  </p:clrMapOvr>
+</p:sld>
+</file>
+
+<file path=ppt/slides/slide5.xml><?xml version="1.0" encoding="utf-8"?>
+<p:sld xmlns:a="http://schemas.openxmlformats.org/drawingml/2006/main" xmlns:r="http://schemas.openxmlformats.org/officeDocument/2006/relationships" xmlns:p="http://schemas.openxmlformats.org/presentationml/2006/main">
+  <p:cSld>
+    <p:spTree>
+      <p:nvGrpSpPr>
+        <p:cNvPr id="1" name=""/>
+        <p:cNvGrpSpPr/>
+        <p:nvPr/>
+      </p:nvGrpSpPr>
+      <p:grpSpPr>
+        <a:xfrm>
+          <a:off x="0" y="0"/>
+          <a:ext cx="0" cy="0"/>
+          <a:chOff x="0" y="0"/>
+          <a:chExt cx="0" cy="0"/>
+        </a:xfrm>
+      </p:grpSpPr>
+      <p:sp>
+        <p:nvSpPr>
+          <p:cNvPr id="2" name="Title 1">
+            <a:extLst>
+              <a:ext uri="{FF2B5EF4-FFF2-40B4-BE49-F238E27FC236}">
+                <a16:creationId xmlns:a16="http://schemas.microsoft.com/office/drawing/2014/main" id="{292C8381-7B17-E307-31FA-B81585E0E03A}"/>
+              </a:ext>
+            </a:extLst>
+          </p:cNvPr>
+          <p:cNvSpPr>
+            <a:spLocks noGrp="1"/>
+          </p:cNvSpPr>
+          <p:nvPr>
+            <p:ph type="title"/>
+          </p:nvPr>
+        </p:nvSpPr>
+        <p:spPr/>
+        <p:txBody>
+          <a:bodyPr/>
+          <a:lstStyle/>
+          <a:p>
+            <a:endParaRPr lang="en-GB" dirty="0"/>
+          </a:p>
+        </p:txBody>
+      </p:sp>
+      <p:sp>
+        <p:nvSpPr>
+          <p:cNvPr id="3" name="Content Placeholder 2">
+            <a:extLst>
+              <a:ext uri="{FF2B5EF4-FFF2-40B4-BE49-F238E27FC236}">
+                <a16:creationId xmlns:a16="http://schemas.microsoft.com/office/drawing/2014/main" id="{238E758C-E164-FA3C-E659-9EA2D1A5626D}"/>
+              </a:ext>
+            </a:extLst>
+          </p:cNvPr>
+          <p:cNvSpPr>
+            <a:spLocks noGrp="1"/>
+          </p:cNvSpPr>
+          <p:nvPr>
+            <p:ph idx="1"/>
+          </p:nvPr>
+        </p:nvSpPr>
+        <p:spPr/>
+        <p:txBody>
+          <a:bodyPr/>
+          <a:lstStyle/>
+          <a:p>
+            <a:endParaRPr lang="en-GB"/>
+          </a:p>
+        </p:txBody>
+      </p:sp>
+      <p:pic>
+        <p:nvPicPr>
+          <p:cNvPr id="5" name="Picture 4">
+            <a:extLst>
+              <a:ext uri="{FF2B5EF4-FFF2-40B4-BE49-F238E27FC236}">
+                <a16:creationId xmlns:a16="http://schemas.microsoft.com/office/drawing/2014/main" id="{BF451CC4-B980-90A5-2BEB-1310C08DE283}"/>
+              </a:ext>
+            </a:extLst>
+          </p:cNvPr>
+          <p:cNvPicPr>
+            <a:picLocks noChangeAspect="1"/>
+          </p:cNvPicPr>
+          <p:nvPr/>
+        </p:nvPicPr>
+        <p:blipFill>
+          <a:blip r:embed="rId2"/>
+          <a:stretch>
+            <a:fillRect/>
+          </a:stretch>
+        </p:blipFill>
+        <p:spPr>
+          <a:xfrm>
+            <a:off x="998375" y="1446944"/>
+            <a:ext cx="9131889" cy="4696188"/>
+          </a:xfrm>
+          <a:prstGeom prst="rect">
+            <a:avLst/>
+          </a:prstGeom>
+        </p:spPr>
+      </p:pic>
+    </p:spTree>
+    <p:extLst>
+      <p:ext uri="{BB962C8B-B14F-4D97-AF65-F5344CB8AC3E}">
+        <p14:creationId xmlns:p14="http://schemas.microsoft.com/office/powerpoint/2010/main" val="3603829041"/>
+      </p:ext>
+    </p:extLst>
+  </p:cSld>
+  <p:clrMapOvr>
+    <a:masterClrMapping/>
+  </p:clrMapOvr>
+</p:sld>
+</file>
+
+<file path=ppt/slides/slide6.xml><?xml version="1.0" encoding="utf-8"?>
+<p:sld xmlns:a="http://schemas.openxmlformats.org/drawingml/2006/main" xmlns:r="http://schemas.openxmlformats.org/officeDocument/2006/relationships" xmlns:p="http://schemas.openxmlformats.org/presentationml/2006/main">
+  <p:cSld>
+    <p:spTree>
+      <p:nvGrpSpPr>
+        <p:cNvPr id="1" name=""/>
+        <p:cNvGrpSpPr/>
+        <p:nvPr/>
+      </p:nvGrpSpPr>
+      <p:grpSpPr>
+        <a:xfrm>
+          <a:off x="0" y="0"/>
+          <a:ext cx="0" cy="0"/>
+          <a:chOff x="0" y="0"/>
+          <a:chExt cx="0" cy="0"/>
+        </a:xfrm>
+      </p:grpSpPr>
+      <p:sp>
+        <p:nvSpPr>
+          <p:cNvPr id="2" name="Title 1">
+            <a:extLst>
+              <a:ext uri="{FF2B5EF4-FFF2-40B4-BE49-F238E27FC236}">
+                <a16:creationId xmlns:a16="http://schemas.microsoft.com/office/drawing/2014/main" id="{292C8381-7B17-E307-31FA-B81585E0E03A}"/>
+              </a:ext>
+            </a:extLst>
+          </p:cNvPr>
+          <p:cNvSpPr>
+            <a:spLocks noGrp="1"/>
+          </p:cNvSpPr>
+          <p:nvPr>
+            <p:ph type="title"/>
+          </p:nvPr>
+        </p:nvSpPr>
+        <p:spPr/>
+        <p:txBody>
+          <a:bodyPr/>
+          <a:lstStyle/>
+          <a:p>
+            <a:endParaRPr lang="en-GB" dirty="0"/>
+          </a:p>
+        </p:txBody>
+      </p:sp>
+      <p:sp>
+        <p:nvSpPr>
+          <p:cNvPr id="3" name="Content Placeholder 2">
+            <a:extLst>
+              <a:ext uri="{FF2B5EF4-FFF2-40B4-BE49-F238E27FC236}">
+                <a16:creationId xmlns:a16="http://schemas.microsoft.com/office/drawing/2014/main" id="{238E758C-E164-FA3C-E659-9EA2D1A5626D}"/>
+              </a:ext>
+            </a:extLst>
+          </p:cNvPr>
+          <p:cNvSpPr>
+            <a:spLocks noGrp="1"/>
+          </p:cNvSpPr>
+          <p:nvPr>
+            <p:ph idx="1"/>
+          </p:nvPr>
+        </p:nvSpPr>
+        <p:spPr/>
+        <p:txBody>
+          <a:bodyPr/>
+          <a:lstStyle/>
+          <a:p>
+            <a:endParaRPr lang="en-GB"/>
+          </a:p>
+        </p:txBody>
+      </p:sp>
+      <p:pic>
+        <p:nvPicPr>
+          <p:cNvPr id="5" name="Picture 4">
+            <a:extLst>
+              <a:ext uri="{FF2B5EF4-FFF2-40B4-BE49-F238E27FC236}">
+                <a16:creationId xmlns:a16="http://schemas.microsoft.com/office/drawing/2014/main" id="{BF451CC4-B980-90A5-2BEB-1310C08DE283}"/>
+              </a:ext>
+            </a:extLst>
+          </p:cNvPr>
+          <p:cNvPicPr>
+            <a:picLocks noChangeAspect="1"/>
+          </p:cNvPicPr>
+          <p:nvPr/>
+        </p:nvPicPr>
+        <p:blipFill>
+          <a:blip r:embed="rId2"/>
+          <a:stretch>
+            <a:fillRect/>
+          </a:stretch>
+        </p:blipFill>
+        <p:spPr>
+          <a:xfrm>
+            <a:off x="998375" y="1446944"/>
+            <a:ext cx="9131889" cy="4696188"/>
+          </a:xfrm>
+          <a:prstGeom prst="rect">
+            <a:avLst/>
+          </a:prstGeom>
+        </p:spPr>
+      </p:pic>
+      <p:cxnSp>
+        <p:nvCxnSpPr>
+          <p:cNvPr id="7" name="Straight Connector 6">
+            <a:extLst>
+              <a:ext uri="{FF2B5EF4-FFF2-40B4-BE49-F238E27FC236}">
+                <a16:creationId xmlns:a16="http://schemas.microsoft.com/office/drawing/2014/main" id="{B83C2293-47E0-8492-EEA2-E106FD9D5E46}"/>
+              </a:ext>
+            </a:extLst>
+          </p:cNvPr>
+          <p:cNvCxnSpPr>
+            <a:cxnSpLocks/>
+          </p:cNvCxnSpPr>
+          <p:nvPr/>
+        </p:nvCxnSpPr>
+        <p:spPr>
+          <a:xfrm>
+            <a:off x="998375" y="5996866"/>
+            <a:ext cx="4417003" cy="0"/>
+          </a:xfrm>
+          <a:prstGeom prst="line">
+            <a:avLst/>
+          </a:prstGeom>
+          <a:ln w="19050">
+            <a:solidFill>
+              <a:srgbClr val="FF0000"/>
+            </a:solidFill>
+          </a:ln>
+        </p:spPr>
+        <p:style>
+          <a:lnRef idx="1">
+            <a:schemeClr val="accent1"/>
+          </a:lnRef>
+          <a:fillRef idx="0">
+            <a:schemeClr val="accent1"/>
+          </a:fillRef>
+          <a:effectRef idx="0">
+            <a:schemeClr val="accent1"/>
+          </a:effectRef>
+          <a:fontRef idx="minor">
+            <a:schemeClr val="tx1"/>
+          </a:fontRef>
+        </p:style>
+      </p:cxnSp>
+      <p:cxnSp>
+        <p:nvCxnSpPr>
+          <p:cNvPr id="10" name="Straight Connector 9">
+            <a:extLst>
+              <a:ext uri="{FF2B5EF4-FFF2-40B4-BE49-F238E27FC236}">
+                <a16:creationId xmlns:a16="http://schemas.microsoft.com/office/drawing/2014/main" id="{0C3E2A06-D7B5-0B8B-44D1-7BC793F77424}"/>
+              </a:ext>
+            </a:extLst>
+          </p:cNvPr>
+          <p:cNvCxnSpPr>
+            <a:cxnSpLocks/>
+          </p:cNvCxnSpPr>
+          <p:nvPr/>
+        </p:nvCxnSpPr>
+        <p:spPr>
+          <a:xfrm>
+            <a:off x="1878744" y="5705383"/>
+            <a:ext cx="4417003" cy="0"/>
+          </a:xfrm>
+          <a:prstGeom prst="line">
+            <a:avLst/>
+          </a:prstGeom>
+          <a:ln w="19050">
+            <a:solidFill>
+              <a:srgbClr val="FF0000"/>
+            </a:solidFill>
+          </a:ln>
+        </p:spPr>
+        <p:style>
+          <a:lnRef idx="1">
+            <a:schemeClr val="accent1"/>
+          </a:lnRef>
+          <a:fillRef idx="0">
+            <a:schemeClr val="accent1"/>
+          </a:fillRef>
+          <a:effectRef idx="0">
+            <a:schemeClr val="accent1"/>
+          </a:effectRef>
+          <a:fontRef idx="minor">
+            <a:schemeClr val="tx1"/>
+          </a:fontRef>
+        </p:style>
+      </p:cxnSp>
+    </p:spTree>
+    <p:extLst>
+      <p:ext uri="{BB962C8B-B14F-4D97-AF65-F5344CB8AC3E}">
+        <p14:creationId xmlns:p14="http://schemas.microsoft.com/office/powerpoint/2010/main" val="3050926040"/>
+      </p:ext>
+    </p:extLst>
+  </p:cSld>
+  <p:clrMapOvr>
+    <a:masterClrMapping/>
+  </p:clrMapOvr>
+</p:sld>
+</file>
+
+<file path=ppt/slides/slide7.xml><?xml version="1.0" encoding="utf-8"?>
+<p:sld xmlns:a="http://schemas.openxmlformats.org/drawingml/2006/main" xmlns:r="http://schemas.openxmlformats.org/officeDocument/2006/relationships" xmlns:p="http://schemas.openxmlformats.org/presentationml/2006/main">
+  <p:cSld>
+    <p:spTree>
+      <p:nvGrpSpPr>
+        <p:cNvPr id="1" name=""/>
+        <p:cNvGrpSpPr/>
+        <p:nvPr/>
+      </p:nvGrpSpPr>
+      <p:grpSpPr>
+        <a:xfrm>
+          <a:off x="0" y="0"/>
+          <a:ext cx="0" cy="0"/>
+          <a:chOff x="0" y="0"/>
+          <a:chExt cx="0" cy="0"/>
+        </a:xfrm>
+      </p:grpSpPr>
+      <p:sp>
+        <p:nvSpPr>
+          <p:cNvPr id="2" name="Title 1">
+            <a:extLst>
+              <a:ext uri="{FF2B5EF4-FFF2-40B4-BE49-F238E27FC236}">
+                <a16:creationId xmlns:a16="http://schemas.microsoft.com/office/drawing/2014/main" id="{370B3C60-122E-026C-7877-2190D506C683}"/>
+              </a:ext>
+            </a:extLst>
+          </p:cNvPr>
+          <p:cNvSpPr>
+            <a:spLocks noGrp="1"/>
+          </p:cNvSpPr>
+          <p:nvPr>
+            <p:ph type="title"/>
+          </p:nvPr>
+        </p:nvSpPr>
+        <p:spPr/>
+        <p:txBody>
+          <a:bodyPr/>
+          <a:lstStyle/>
+          <a:p>
+            <a:endParaRPr lang="en-GB"/>
+          </a:p>
+        </p:txBody>
+      </p:sp>
+      <p:pic>
+        <p:nvPicPr>
+          <p:cNvPr id="5" name="Picture 4">
+            <a:extLst>
+              <a:ext uri="{FF2B5EF4-FFF2-40B4-BE49-F238E27FC236}">
+                <a16:creationId xmlns:a16="http://schemas.microsoft.com/office/drawing/2014/main" id="{A9E155AF-4A91-F612-E63E-5C2031EFE524}"/>
+              </a:ext>
+            </a:extLst>
+          </p:cNvPr>
+          <p:cNvPicPr>
+            <a:picLocks noChangeAspect="1"/>
+          </p:cNvPicPr>
+          <p:nvPr/>
+        </p:nvPicPr>
+        <p:blipFill>
+          <a:blip r:embed="rId2"/>
+          <a:stretch>
+            <a:fillRect/>
+          </a:stretch>
+        </p:blipFill>
+        <p:spPr>
+          <a:xfrm>
+            <a:off x="1228686" y="1862948"/>
+            <a:ext cx="2596865" cy="529972"/>
+          </a:xfrm>
+          <a:prstGeom prst="rect">
+            <a:avLst/>
+          </a:prstGeom>
+        </p:spPr>
+      </p:pic>
+      <p:pic>
+        <p:nvPicPr>
+          <p:cNvPr id="7" name="Picture 6">
+            <a:extLst>
+              <a:ext uri="{FF2B5EF4-FFF2-40B4-BE49-F238E27FC236}">
+                <a16:creationId xmlns:a16="http://schemas.microsoft.com/office/drawing/2014/main" id="{14C7554A-6568-7F9E-5BDA-CF032C79C565}"/>
+              </a:ext>
+            </a:extLst>
+          </p:cNvPr>
+          <p:cNvPicPr>
+            <a:picLocks noChangeAspect="1"/>
+          </p:cNvPicPr>
+          <p:nvPr/>
+        </p:nvPicPr>
+        <p:blipFill>
+          <a:blip r:embed="rId3"/>
+          <a:stretch>
+            <a:fillRect/>
+          </a:stretch>
+        </p:blipFill>
+        <p:spPr>
+          <a:xfrm>
+            <a:off x="1228686" y="3128432"/>
+            <a:ext cx="3974792" cy="529972"/>
+          </a:xfrm>
+          <a:prstGeom prst="rect">
+            <a:avLst/>
+          </a:prstGeom>
+        </p:spPr>
+      </p:pic>
+      <p:pic>
+        <p:nvPicPr>
+          <p:cNvPr id="9" name="Picture 8">
+            <a:extLst>
+              <a:ext uri="{FF2B5EF4-FFF2-40B4-BE49-F238E27FC236}">
+                <a16:creationId xmlns:a16="http://schemas.microsoft.com/office/drawing/2014/main" id="{F0CE0A73-6375-ED51-7CCF-069E715B7DC8}"/>
+              </a:ext>
+            </a:extLst>
+          </p:cNvPr>
+          <p:cNvPicPr>
+            <a:picLocks noChangeAspect="1"/>
+          </p:cNvPicPr>
+          <p:nvPr/>
+        </p:nvPicPr>
+        <p:blipFill>
+          <a:blip r:embed="rId4"/>
+          <a:stretch>
+            <a:fillRect/>
+          </a:stretch>
+        </p:blipFill>
+        <p:spPr>
+          <a:xfrm>
+            <a:off x="1228686" y="4393916"/>
+            <a:ext cx="2596865" cy="649217"/>
+          </a:xfrm>
+          <a:prstGeom prst="rect">
+            <a:avLst/>
+          </a:prstGeom>
+        </p:spPr>
+      </p:pic>
+      <p:cxnSp>
+        <p:nvCxnSpPr>
+          <p:cNvPr id="8" name="Straight Arrow Connector 7">
+            <a:extLst>
+              <a:ext uri="{FF2B5EF4-FFF2-40B4-BE49-F238E27FC236}">
+                <a16:creationId xmlns:a16="http://schemas.microsoft.com/office/drawing/2014/main" id="{D92D854C-87C9-AC1D-23CD-5E00048AA99C}"/>
+              </a:ext>
+            </a:extLst>
+          </p:cNvPr>
+          <p:cNvCxnSpPr/>
+          <p:nvPr/>
+        </p:nvCxnSpPr>
+        <p:spPr>
+          <a:xfrm flipH="1">
+            <a:off x="4163627" y="4740676"/>
+            <a:ext cx="2485748" cy="0"/>
+          </a:xfrm>
+          <a:prstGeom prst="straightConnector1">
+            <a:avLst/>
+          </a:prstGeom>
+          <a:ln w="28575">
+            <a:solidFill>
+              <a:srgbClr val="FF0000"/>
+            </a:solidFill>
+            <a:tailEnd type="triangle"/>
+          </a:ln>
+        </p:spPr>
+        <p:style>
+          <a:lnRef idx="1">
+            <a:schemeClr val="accent1"/>
+          </a:lnRef>
+          <a:fillRef idx="0">
+            <a:schemeClr val="accent1"/>
+          </a:fillRef>
+          <a:effectRef idx="0">
+            <a:schemeClr val="accent1"/>
+          </a:effectRef>
+          <a:fontRef idx="minor">
+            <a:schemeClr val="tx1"/>
+          </a:fontRef>
+        </p:style>
+      </p:cxnSp>
+    </p:spTree>
+    <p:extLst>
+      <p:ext uri="{BB962C8B-B14F-4D97-AF65-F5344CB8AC3E}">
+        <p14:creationId xmlns:p14="http://schemas.microsoft.com/office/powerpoint/2010/main" val="3295706212"/>
+      </p:ext>
+    </p:extLst>
+  </p:cSld>
+  <p:clrMapOvr>
+    <a:masterClrMapping/>
+  </p:clrMapOvr>
+</p:sld>
+</file>
+
+<file path=ppt/slides/slide8.xml><?xml version="1.0" encoding="utf-8"?>
+<p:sld xmlns:a="http://schemas.openxmlformats.org/drawingml/2006/main" xmlns:r="http://schemas.openxmlformats.org/officeDocument/2006/relationships" xmlns:p="http://schemas.openxmlformats.org/presentationml/2006/main">
+  <p:cSld>
+    <p:spTree>
+      <p:nvGrpSpPr>
+        <p:cNvPr id="1" name=""/>
+        <p:cNvGrpSpPr/>
+        <p:nvPr/>
+      </p:nvGrpSpPr>
+      <p:grpSpPr>
+        <a:xfrm>
+          <a:off x="0" y="0"/>
+          <a:ext cx="0" cy="0"/>
+          <a:chOff x="0" y="0"/>
+          <a:chExt cx="0" cy="0"/>
+        </a:xfrm>
+      </p:grpSpPr>
+      <p:sp>
+        <p:nvSpPr>
+          <p:cNvPr id="2" name="Title 1">
+            <a:extLst>
+              <a:ext uri="{FF2B5EF4-FFF2-40B4-BE49-F238E27FC236}">
+                <a16:creationId xmlns:a16="http://schemas.microsoft.com/office/drawing/2014/main" id="{F205379A-F645-452F-98B7-B206163F2B80}"/>
+              </a:ext>
+            </a:extLst>
+          </p:cNvPr>
+          <p:cNvSpPr>
+            <a:spLocks noGrp="1"/>
+          </p:cNvSpPr>
+          <p:nvPr>
+            <p:ph type="title"/>
+          </p:nvPr>
+        </p:nvSpPr>
+        <p:spPr/>
+        <p:txBody>
+          <a:bodyPr/>
+          <a:lstStyle/>
+          <a:p>
+            <a:r>
+              <a:rPr lang="da-DK" dirty="0"/>
+              <a:t>Forces does not get updated</a:t>
+            </a:r>
+            <a:endParaRPr lang="en-GB" dirty="0"/>
+          </a:p>
+        </p:txBody>
+      </p:sp>
+      <p:pic>
+        <p:nvPicPr>
+          <p:cNvPr id="5" name="Picture 4">
+            <a:extLst>
+              <a:ext uri="{FF2B5EF4-FFF2-40B4-BE49-F238E27FC236}">
+                <a16:creationId xmlns:a16="http://schemas.microsoft.com/office/drawing/2014/main" id="{AB12F2B0-F800-A5E7-4376-812F04EB6F2F}"/>
+              </a:ext>
+            </a:extLst>
+          </p:cNvPr>
+          <p:cNvPicPr>
+            <a:picLocks noChangeAspect="1"/>
+          </p:cNvPicPr>
+          <p:nvPr/>
+        </p:nvPicPr>
+        <p:blipFill>
+          <a:blip r:embed="rId2"/>
+          <a:stretch>
+            <a:fillRect/>
+          </a:stretch>
+        </p:blipFill>
+        <p:spPr>
+          <a:xfrm>
+            <a:off x="1324946" y="2326191"/>
+            <a:ext cx="10752805" cy="3368868"/>
+          </a:xfrm>
+          <a:prstGeom prst="rect">
+            <a:avLst/>
+          </a:prstGeom>
+        </p:spPr>
+      </p:pic>
+      <p:sp>
+        <p:nvSpPr>
+          <p:cNvPr id="6" name="TextBox 5">
+            <a:extLst>
+              <a:ext uri="{FF2B5EF4-FFF2-40B4-BE49-F238E27FC236}">
+                <a16:creationId xmlns:a16="http://schemas.microsoft.com/office/drawing/2014/main" id="{350BA92A-573F-3B14-D03A-B80D52964185}"/>
+              </a:ext>
+            </a:extLst>
+          </p:cNvPr>
+          <p:cNvSpPr txBox="1"/>
+          <p:nvPr/>
+        </p:nvSpPr>
+        <p:spPr>
+          <a:xfrm>
+            <a:off x="0" y="2621902"/>
+            <a:ext cx="1324946" cy="646331"/>
+          </a:xfrm>
+          <a:prstGeom prst="rect">
+            <a:avLst/>
+          </a:prstGeom>
+          <a:noFill/>
+        </p:spPr>
+        <p:txBody>
+          <a:bodyPr wrap="square" rtlCol="0">
+            <a:spAutoFit/>
+          </a:bodyPr>
+          <a:lstStyle/>
+          <a:p>
+            <a:r>
+              <a:rPr lang="da-DK" dirty="0"/>
+              <a:t>Simulated step</a:t>
+            </a:r>
+            <a:endParaRPr lang="en-GB" dirty="0"/>
+          </a:p>
+        </p:txBody>
+      </p:sp>
+      <p:sp>
+        <p:nvSpPr>
+          <p:cNvPr id="7" name="TextBox 6">
+            <a:extLst>
+              <a:ext uri="{FF2B5EF4-FFF2-40B4-BE49-F238E27FC236}">
+                <a16:creationId xmlns:a16="http://schemas.microsoft.com/office/drawing/2014/main" id="{176E8929-2C6D-6BE6-F96E-2C5DDA4BB12E}"/>
+              </a:ext>
+            </a:extLst>
+          </p:cNvPr>
+          <p:cNvSpPr txBox="1"/>
+          <p:nvPr/>
+        </p:nvSpPr>
+        <p:spPr>
+          <a:xfrm>
+            <a:off x="0" y="4486486"/>
+            <a:ext cx="1324946" cy="646331"/>
+          </a:xfrm>
+          <a:prstGeom prst="rect">
+            <a:avLst/>
+          </a:prstGeom>
+          <a:noFill/>
+        </p:spPr>
+        <p:txBody>
+          <a:bodyPr wrap="square" rtlCol="0">
+            <a:spAutoFit/>
+          </a:bodyPr>
+          <a:lstStyle/>
+          <a:p>
+            <a:r>
+              <a:rPr lang="da-DK" dirty="0"/>
+              <a:t>Predicted step</a:t>
+            </a:r>
+            <a:endParaRPr lang="en-GB" dirty="0"/>
+          </a:p>
+        </p:txBody>
+      </p:sp>
+      <p:sp>
+        <p:nvSpPr>
+          <p:cNvPr id="8" name="TextBox 7">
+            <a:extLst>
+              <a:ext uri="{FF2B5EF4-FFF2-40B4-BE49-F238E27FC236}">
+                <a16:creationId xmlns:a16="http://schemas.microsoft.com/office/drawing/2014/main" id="{4F57684D-14EB-69C0-029B-B2559C98FFAE}"/>
+              </a:ext>
+            </a:extLst>
+          </p:cNvPr>
+          <p:cNvSpPr txBox="1"/>
+          <p:nvPr/>
+        </p:nvSpPr>
+        <p:spPr>
+          <a:xfrm>
+            <a:off x="2189161" y="1548881"/>
+            <a:ext cx="2024743" cy="369332"/>
+          </a:xfrm>
+          <a:prstGeom prst="rect">
+            <a:avLst/>
+          </a:prstGeom>
+          <a:noFill/>
+        </p:spPr>
+        <p:txBody>
+          <a:bodyPr wrap="square" rtlCol="0">
+            <a:spAutoFit/>
+          </a:bodyPr>
+          <a:lstStyle/>
+          <a:p>
+            <a:pPr algn="ctr"/>
+            <a:r>
+              <a:rPr lang="da-DK" dirty="0"/>
+              <a:t>Positions</a:t>
+            </a:r>
+            <a:endParaRPr lang="en-GB" dirty="0"/>
+          </a:p>
+        </p:txBody>
+      </p:sp>
+      <p:sp>
+        <p:nvSpPr>
+          <p:cNvPr id="9" name="TextBox 8">
+            <a:extLst>
+              <a:ext uri="{FF2B5EF4-FFF2-40B4-BE49-F238E27FC236}">
+                <a16:creationId xmlns:a16="http://schemas.microsoft.com/office/drawing/2014/main" id="{AEAF07CE-9EDA-40F6-C2B2-E9112EE880E2}"/>
+              </a:ext>
+            </a:extLst>
+          </p:cNvPr>
+          <p:cNvSpPr txBox="1"/>
+          <p:nvPr/>
+        </p:nvSpPr>
+        <p:spPr>
+          <a:xfrm>
+            <a:off x="5908535" y="1548881"/>
+            <a:ext cx="2099388" cy="369332"/>
+          </a:xfrm>
+          <a:prstGeom prst="rect">
+            <a:avLst/>
+          </a:prstGeom>
+          <a:noFill/>
+        </p:spPr>
+        <p:txBody>
+          <a:bodyPr wrap="square" rtlCol="0">
+            <a:spAutoFit/>
+          </a:bodyPr>
+          <a:lstStyle/>
+          <a:p>
+            <a:pPr algn="ctr"/>
+            <a:r>
+              <a:rPr lang="da-DK" dirty="0"/>
+              <a:t>Momenta</a:t>
+            </a:r>
+            <a:endParaRPr lang="en-GB" dirty="0"/>
+          </a:p>
+        </p:txBody>
+      </p:sp>
+      <p:sp>
+        <p:nvSpPr>
+          <p:cNvPr id="10" name="TextBox 9">
+            <a:extLst>
+              <a:ext uri="{FF2B5EF4-FFF2-40B4-BE49-F238E27FC236}">
+                <a16:creationId xmlns:a16="http://schemas.microsoft.com/office/drawing/2014/main" id="{42CE05C6-EED5-ECD3-DA22-21E4717298AA}"/>
+              </a:ext>
+            </a:extLst>
+          </p:cNvPr>
+          <p:cNvSpPr txBox="1"/>
+          <p:nvPr/>
+        </p:nvSpPr>
+        <p:spPr>
+          <a:xfrm>
+            <a:off x="9702554" y="1548881"/>
+            <a:ext cx="1651246" cy="369332"/>
+          </a:xfrm>
+          <a:prstGeom prst="rect">
+            <a:avLst/>
+          </a:prstGeom>
+          <a:noFill/>
+        </p:spPr>
+        <p:txBody>
+          <a:bodyPr wrap="square" rtlCol="0">
+            <a:spAutoFit/>
+          </a:bodyPr>
+          <a:lstStyle/>
+          <a:p>
+            <a:pPr algn="ctr"/>
+            <a:r>
+              <a:rPr lang="da-DK" dirty="0"/>
+              <a:t>Forces</a:t>
+            </a:r>
+            <a:endParaRPr lang="en-GB" dirty="0"/>
+          </a:p>
+        </p:txBody>
+      </p:sp>
+    </p:spTree>
+    <p:extLst>
+      <p:ext uri="{BB962C8B-B14F-4D97-AF65-F5344CB8AC3E}">
+        <p14:creationId xmlns:p14="http://schemas.microsoft.com/office/powerpoint/2010/main" val="1063099091"/>
+      </p:ext>
+    </p:extLst>
+  </p:cSld>
+  <p:clrMapOvr>
+    <a:masterClrMapping/>
+  </p:clrMapOvr>
+</p:sld>
+</file>
+
+<file path=ppt/slides/slide9.xml><?xml version="1.0" encoding="utf-8"?>
+<p:sld xmlns:a="http://schemas.openxmlformats.org/drawingml/2006/main" xmlns:r="http://schemas.openxmlformats.org/officeDocument/2006/relationships" xmlns:p="http://schemas.openxmlformats.org/presentationml/2006/main">
+  <p:cSld>
+    <p:spTree>
+      <p:nvGrpSpPr>
+        <p:cNvPr id="1" name=""/>
+        <p:cNvGrpSpPr/>
+        <p:nvPr/>
+      </p:nvGrpSpPr>
+      <p:grpSpPr>
+        <a:xfrm>
+          <a:off x="0" y="0"/>
+          <a:ext cx="0" cy="0"/>
+          <a:chOff x="0" y="0"/>
+          <a:chExt cx="0" cy="0"/>
+        </a:xfrm>
+      </p:grpSpPr>
+      <p:sp>
+        <p:nvSpPr>
+          <p:cNvPr id="2" name="Titel 1">
+            <a:extLst>
+              <a:ext uri="{FF2B5EF4-FFF2-40B4-BE49-F238E27FC236}">
+                <a16:creationId xmlns:a16="http://schemas.microsoft.com/office/drawing/2014/main" id="{4E310814-A2C5-3CDA-DDE8-0A07CED872EF}"/>
+              </a:ext>
+            </a:extLst>
+          </p:cNvPr>
+          <p:cNvSpPr>
+            <a:spLocks noGrp="1"/>
+          </p:cNvSpPr>
+          <p:nvPr>
+            <p:ph type="title"/>
+          </p:nvPr>
+        </p:nvSpPr>
+        <p:spPr/>
+        <p:txBody>
+          <a:bodyPr/>
+          <a:lstStyle/>
+          <a:p>
+            <a:r>
+              <a:rPr lang="da-DK" dirty="0"/>
+              <a:t>Histogram of angle</a:t>
+            </a:r>
+          </a:p>
+        </p:txBody>
+      </p:sp>
+      <p:pic>
+        <p:nvPicPr>
+          <p:cNvPr id="5" name="Billede 4">
+            <a:extLst>
+              <a:ext uri="{FF2B5EF4-FFF2-40B4-BE49-F238E27FC236}">
+                <a16:creationId xmlns:a16="http://schemas.microsoft.com/office/drawing/2014/main" id="{AC64C12B-74E9-1213-17C8-F5B239039D11}"/>
+              </a:ext>
+            </a:extLst>
+          </p:cNvPr>
+          <p:cNvPicPr>
+            <a:picLocks noChangeAspect="1"/>
+          </p:cNvPicPr>
+          <p:nvPr/>
+        </p:nvPicPr>
+        <p:blipFill>
+          <a:blip r:embed="rId2"/>
+          <a:stretch>
+            <a:fillRect/>
+          </a:stretch>
+        </p:blipFill>
+        <p:spPr>
+          <a:xfrm>
+            <a:off x="1479223" y="1594788"/>
+            <a:ext cx="8195351" cy="4898087"/>
+          </a:xfrm>
+          <a:prstGeom prst="rect">
+            <a:avLst/>
+          </a:prstGeom>
+        </p:spPr>
+      </p:pic>
+    </p:spTree>
+    <p:extLst>
+      <p:ext uri="{BB962C8B-B14F-4D97-AF65-F5344CB8AC3E}">
+        <p14:creationId xmlns:p14="http://schemas.microsoft.com/office/powerpoint/2010/main" val="3241515790"/>
       </p:ext>
     </p:extLst>
   </p:cSld>

--- a/Master thesis/Meetings/26-02 Integrating gpaw and model, and comparing histograms.pptx
+++ b/Master thesis/Meetings/26-02 Integrating gpaw and model, and comparing histograms.pptx
@@ -137,7 +137,7 @@
   <pc:docChgLst>
     <pc:chgData name="Birk Nøhr Dissing" userId="9f16f90f-bd2a-4063-a72f-deae502fc0f4" providerId="ADAL" clId="{CB2D36CA-AA1A-44C8-BEF7-7DCB60A55F19}"/>
     <pc:docChg chg="custSel addSld delSld modSld">
-      <pc:chgData name="Birk Nøhr Dissing" userId="9f16f90f-bd2a-4063-a72f-deae502fc0f4" providerId="ADAL" clId="{CB2D36CA-AA1A-44C8-BEF7-7DCB60A55F19}" dt="2024-02-23T11:43:40.546" v="242" actId="1076"/>
+      <pc:chgData name="Birk Nøhr Dissing" userId="9f16f90f-bd2a-4063-a72f-deae502fc0f4" providerId="ADAL" clId="{CB2D36CA-AA1A-44C8-BEF7-7DCB60A55F19}" dt="2024-02-26T09:17:26.980" v="282" actId="1076"/>
       <pc:docMkLst>
         <pc:docMk/>
       </pc:docMkLst>
@@ -401,6 +401,51 @@
           </ac:picMkLst>
         </pc:picChg>
       </pc:sldChg>
+      <pc:sldChg chg="modSp mod">
+        <pc:chgData name="Birk Nøhr Dissing" userId="9f16f90f-bd2a-4063-a72f-deae502fc0f4" providerId="ADAL" clId="{CB2D36CA-AA1A-44C8-BEF7-7DCB60A55F19}" dt="2024-02-26T09:17:26.980" v="282" actId="1076"/>
+        <pc:sldMkLst>
+          <pc:docMk/>
+          <pc:sldMk cId="3050926040" sldId="270"/>
+        </pc:sldMkLst>
+        <pc:picChg chg="mod">
+          <ac:chgData name="Birk Nøhr Dissing" userId="9f16f90f-bd2a-4063-a72f-deae502fc0f4" providerId="ADAL" clId="{CB2D36CA-AA1A-44C8-BEF7-7DCB60A55F19}" dt="2024-02-26T09:17:26.980" v="282" actId="1076"/>
+          <ac:picMkLst>
+            <pc:docMk/>
+            <pc:sldMk cId="3050926040" sldId="270"/>
+            <ac:picMk id="5" creationId="{BF451CC4-B980-90A5-2BEB-1310C08DE283}"/>
+          </ac:picMkLst>
+        </pc:picChg>
+      </pc:sldChg>
+      <pc:sldChg chg="modSp mod">
+        <pc:chgData name="Birk Nøhr Dissing" userId="9f16f90f-bd2a-4063-a72f-deae502fc0f4" providerId="ADAL" clId="{CB2D36CA-AA1A-44C8-BEF7-7DCB60A55F19}" dt="2024-02-26T09:06:18.998" v="244" actId="20577"/>
+        <pc:sldMkLst>
+          <pc:docMk/>
+          <pc:sldMk cId="1063099091" sldId="272"/>
+        </pc:sldMkLst>
+        <pc:spChg chg="mod">
+          <ac:chgData name="Birk Nøhr Dissing" userId="9f16f90f-bd2a-4063-a72f-deae502fc0f4" providerId="ADAL" clId="{CB2D36CA-AA1A-44C8-BEF7-7DCB60A55F19}" dt="2024-02-26T09:06:18.998" v="244" actId="20577"/>
+          <ac:spMkLst>
+            <pc:docMk/>
+            <pc:sldMk cId="1063099091" sldId="272"/>
+            <ac:spMk id="2" creationId="{F205379A-F645-452F-98B7-B206163F2B80}"/>
+          </ac:spMkLst>
+        </pc:spChg>
+      </pc:sldChg>
+      <pc:sldChg chg="modSp mod">
+        <pc:chgData name="Birk Nøhr Dissing" userId="9f16f90f-bd2a-4063-a72f-deae502fc0f4" providerId="ADAL" clId="{CB2D36CA-AA1A-44C8-BEF7-7DCB60A55F19}" dt="2024-02-26T09:06:40.883" v="280" actId="20577"/>
+        <pc:sldMkLst>
+          <pc:docMk/>
+          <pc:sldMk cId="2682423451" sldId="273"/>
+        </pc:sldMkLst>
+        <pc:spChg chg="mod">
+          <ac:chgData name="Birk Nøhr Dissing" userId="9f16f90f-bd2a-4063-a72f-deae502fc0f4" providerId="ADAL" clId="{CB2D36CA-AA1A-44C8-BEF7-7DCB60A55F19}" dt="2024-02-26T09:06:40.883" v="280" actId="20577"/>
+          <ac:spMkLst>
+            <pc:docMk/>
+            <pc:sldMk cId="2682423451" sldId="273"/>
+            <ac:spMk id="2" creationId="{40003C9C-9302-C932-4B22-8451BE000B8A}"/>
+          </ac:spMkLst>
+        </pc:spChg>
+      </pc:sldChg>
     </pc:docChg>
   </pc:docChgLst>
 </pc:chgInfo>
@@ -553,7 +598,7 @@
           <a:p>
             <a:fld id="{EB96CC9F-F931-4751-9BDE-A749136C9C15}" type="datetimeFigureOut">
               <a:rPr lang="da-DK" smtClean="0"/>
-              <a:t>25-02-2024</a:t>
+              <a:t>26-02-2024</a:t>
             </a:fld>
             <a:endParaRPr lang="da-DK"/>
           </a:p>
@@ -607,7 +652,7 @@
           <a:p>
             <a:fld id="{7BE005B4-57FF-4D1F-9A11-DC5A69DDB4CD}" type="slidenum">
               <a:rPr lang="da-DK" smtClean="0"/>
-              <a:t>‹#›</a:t>
+              <a:t>‹nr.›</a:t>
             </a:fld>
             <a:endParaRPr lang="da-DK"/>
           </a:p>
@@ -751,7 +796,7 @@
           <a:p>
             <a:fld id="{EB96CC9F-F931-4751-9BDE-A749136C9C15}" type="datetimeFigureOut">
               <a:rPr lang="da-DK" smtClean="0"/>
-              <a:t>25-02-2024</a:t>
+              <a:t>26-02-2024</a:t>
             </a:fld>
             <a:endParaRPr lang="da-DK"/>
           </a:p>
@@ -805,7 +850,7 @@
           <a:p>
             <a:fld id="{7BE005B4-57FF-4D1F-9A11-DC5A69DDB4CD}" type="slidenum">
               <a:rPr lang="da-DK" smtClean="0"/>
-              <a:t>‹#›</a:t>
+              <a:t>‹nr.›</a:t>
             </a:fld>
             <a:endParaRPr lang="da-DK"/>
           </a:p>
@@ -959,7 +1004,7 @@
           <a:p>
             <a:fld id="{EB96CC9F-F931-4751-9BDE-A749136C9C15}" type="datetimeFigureOut">
               <a:rPr lang="da-DK" smtClean="0"/>
-              <a:t>25-02-2024</a:t>
+              <a:t>26-02-2024</a:t>
             </a:fld>
             <a:endParaRPr lang="da-DK"/>
           </a:p>
@@ -1013,7 +1058,7 @@
           <a:p>
             <a:fld id="{7BE005B4-57FF-4D1F-9A11-DC5A69DDB4CD}" type="slidenum">
               <a:rPr lang="da-DK" smtClean="0"/>
-              <a:t>‹#›</a:t>
+              <a:t>‹nr.›</a:t>
             </a:fld>
             <a:endParaRPr lang="da-DK"/>
           </a:p>
@@ -1157,7 +1202,7 @@
           <a:p>
             <a:fld id="{EB96CC9F-F931-4751-9BDE-A749136C9C15}" type="datetimeFigureOut">
               <a:rPr lang="da-DK" smtClean="0"/>
-              <a:t>25-02-2024</a:t>
+              <a:t>26-02-2024</a:t>
             </a:fld>
             <a:endParaRPr lang="da-DK"/>
           </a:p>
@@ -1211,7 +1256,7 @@
           <a:p>
             <a:fld id="{7BE005B4-57FF-4D1F-9A11-DC5A69DDB4CD}" type="slidenum">
               <a:rPr lang="da-DK" smtClean="0"/>
-              <a:t>‹#›</a:t>
+              <a:t>‹nr.›</a:t>
             </a:fld>
             <a:endParaRPr lang="da-DK"/>
           </a:p>
@@ -1432,7 +1477,7 @@
           <a:p>
             <a:fld id="{EB96CC9F-F931-4751-9BDE-A749136C9C15}" type="datetimeFigureOut">
               <a:rPr lang="da-DK" smtClean="0"/>
-              <a:t>25-02-2024</a:t>
+              <a:t>26-02-2024</a:t>
             </a:fld>
             <a:endParaRPr lang="da-DK"/>
           </a:p>
@@ -1486,7 +1531,7 @@
           <a:p>
             <a:fld id="{7BE005B4-57FF-4D1F-9A11-DC5A69DDB4CD}" type="slidenum">
               <a:rPr lang="da-DK" smtClean="0"/>
-              <a:t>‹#›</a:t>
+              <a:t>‹nr.›</a:t>
             </a:fld>
             <a:endParaRPr lang="da-DK"/>
           </a:p>
@@ -1697,7 +1742,7 @@
           <a:p>
             <a:fld id="{EB96CC9F-F931-4751-9BDE-A749136C9C15}" type="datetimeFigureOut">
               <a:rPr lang="da-DK" smtClean="0"/>
-              <a:t>25-02-2024</a:t>
+              <a:t>26-02-2024</a:t>
             </a:fld>
             <a:endParaRPr lang="da-DK"/>
           </a:p>
@@ -1751,7 +1796,7 @@
           <a:p>
             <a:fld id="{7BE005B4-57FF-4D1F-9A11-DC5A69DDB4CD}" type="slidenum">
               <a:rPr lang="da-DK" smtClean="0"/>
-              <a:t>‹#›</a:t>
+              <a:t>‹nr.›</a:t>
             </a:fld>
             <a:endParaRPr lang="da-DK"/>
           </a:p>
@@ -2109,7 +2154,7 @@
           <a:p>
             <a:fld id="{EB96CC9F-F931-4751-9BDE-A749136C9C15}" type="datetimeFigureOut">
               <a:rPr lang="da-DK" smtClean="0"/>
-              <a:t>25-02-2024</a:t>
+              <a:t>26-02-2024</a:t>
             </a:fld>
             <a:endParaRPr lang="da-DK"/>
           </a:p>
@@ -2163,7 +2208,7 @@
           <a:p>
             <a:fld id="{7BE005B4-57FF-4D1F-9A11-DC5A69DDB4CD}" type="slidenum">
               <a:rPr lang="da-DK" smtClean="0"/>
-              <a:t>‹#›</a:t>
+              <a:t>‹nr.›</a:t>
             </a:fld>
             <a:endParaRPr lang="da-DK"/>
           </a:p>
@@ -2250,7 +2295,7 @@
           <a:p>
             <a:fld id="{EB96CC9F-F931-4751-9BDE-A749136C9C15}" type="datetimeFigureOut">
               <a:rPr lang="da-DK" smtClean="0"/>
-              <a:t>25-02-2024</a:t>
+              <a:t>26-02-2024</a:t>
             </a:fld>
             <a:endParaRPr lang="da-DK"/>
           </a:p>
@@ -2304,7 +2349,7 @@
           <a:p>
             <a:fld id="{7BE005B4-57FF-4D1F-9A11-DC5A69DDB4CD}" type="slidenum">
               <a:rPr lang="da-DK" smtClean="0"/>
-              <a:t>‹#›</a:t>
+              <a:t>‹nr.›</a:t>
             </a:fld>
             <a:endParaRPr lang="da-DK"/>
           </a:p>
@@ -2363,7 +2408,7 @@
           <a:p>
             <a:fld id="{EB96CC9F-F931-4751-9BDE-A749136C9C15}" type="datetimeFigureOut">
               <a:rPr lang="da-DK" smtClean="0"/>
-              <a:t>25-02-2024</a:t>
+              <a:t>26-02-2024</a:t>
             </a:fld>
             <a:endParaRPr lang="da-DK"/>
           </a:p>
@@ -2417,7 +2462,7 @@
           <a:p>
             <a:fld id="{7BE005B4-57FF-4D1F-9A11-DC5A69DDB4CD}" type="slidenum">
               <a:rPr lang="da-DK" smtClean="0"/>
-              <a:t>‹#›</a:t>
+              <a:t>‹nr.›</a:t>
             </a:fld>
             <a:endParaRPr lang="da-DK"/>
           </a:p>
@@ -2674,7 +2719,7 @@
           <a:p>
             <a:fld id="{EB96CC9F-F931-4751-9BDE-A749136C9C15}" type="datetimeFigureOut">
               <a:rPr lang="da-DK" smtClean="0"/>
-              <a:t>25-02-2024</a:t>
+              <a:t>26-02-2024</a:t>
             </a:fld>
             <a:endParaRPr lang="da-DK"/>
           </a:p>
@@ -2728,7 +2773,7 @@
           <a:p>
             <a:fld id="{7BE005B4-57FF-4D1F-9A11-DC5A69DDB4CD}" type="slidenum">
               <a:rPr lang="da-DK" smtClean="0"/>
-              <a:t>‹#›</a:t>
+              <a:t>‹nr.›</a:t>
             </a:fld>
             <a:endParaRPr lang="da-DK"/>
           </a:p>
@@ -2962,7 +3007,7 @@
           <a:p>
             <a:fld id="{EB96CC9F-F931-4751-9BDE-A749136C9C15}" type="datetimeFigureOut">
               <a:rPr lang="da-DK" smtClean="0"/>
-              <a:t>25-02-2024</a:t>
+              <a:t>26-02-2024</a:t>
             </a:fld>
             <a:endParaRPr lang="da-DK"/>
           </a:p>
@@ -3016,7 +3061,7 @@
           <a:p>
             <a:fld id="{7BE005B4-57FF-4D1F-9A11-DC5A69DDB4CD}" type="slidenum">
               <a:rPr lang="da-DK" smtClean="0"/>
-              <a:t>‹#›</a:t>
+              <a:t>‹nr.›</a:t>
             </a:fld>
             <a:endParaRPr lang="da-DK"/>
           </a:p>
@@ -3203,7 +3248,7 @@
           <a:p>
             <a:fld id="{EB96CC9F-F931-4751-9BDE-A749136C9C15}" type="datetimeFigureOut">
               <a:rPr lang="da-DK" smtClean="0"/>
-              <a:t>25-02-2024</a:t>
+              <a:t>26-02-2024</a:t>
             </a:fld>
             <a:endParaRPr lang="da-DK"/>
           </a:p>
@@ -3293,7 +3338,7 @@
           <a:p>
             <a:fld id="{7BE005B4-57FF-4D1F-9A11-DC5A69DDB4CD}" type="slidenum">
               <a:rPr lang="da-DK" smtClean="0"/>
-              <a:t>‹#›</a:t>
+              <a:t>‹nr.›</a:t>
             </a:fld>
             <a:endParaRPr lang="da-DK"/>
           </a:p>
@@ -4027,7 +4072,10 @@
           <a:bodyPr/>
           <a:lstStyle/>
           <a:p>
-            <a:endParaRPr lang="en-GB"/>
+            <a:r>
+              <a:rPr lang="en-GB" dirty="0"/>
+              <a:t>Future data analysis</a:t>
+            </a:r>
           </a:p>
         </p:txBody>
       </p:sp>
@@ -4935,8 +4983,8 @@
         </p:blipFill>
         <p:spPr>
           <a:xfrm>
-            <a:off x="998375" y="1446944"/>
-            <a:ext cx="9131889" cy="4696188"/>
+            <a:off x="555315" y="0"/>
+            <a:ext cx="12092163" cy="6218546"/>
           </a:xfrm>
           <a:prstGeom prst="rect">
             <a:avLst/>
@@ -5269,7 +5317,7 @@
           <a:p>
             <a:r>
               <a:rPr lang="da-DK" dirty="0"/>
-              <a:t>Forces does not get updated</a:t>
+              <a:t>Forces do not get updated</a:t>
             </a:r>
             <a:endParaRPr lang="en-GB" dirty="0"/>
           </a:p>
